--- a/Poster/WDN_poster_M.pptx
+++ b/Poster/WDN_poster_M.pptx
@@ -366,7 +366,7 @@
               <a:pPr>
                 <a:defRPr/>
               </a:pPr>
-              <a:t>‹#›</a:t>
+              <a:t>‹nr.›</a:t>
             </a:fld>
             <a:endParaRPr lang="da-DK" altLang="en-US" dirty="0"/>
           </a:p>
@@ -580,7 +580,7 @@
               <a:pPr>
                 <a:defRPr/>
               </a:pPr>
-              <a:t>‹#›</a:t>
+              <a:t>‹nr.›</a:t>
             </a:fld>
             <a:endParaRPr lang="da-DK" altLang="en-US" dirty="0"/>
           </a:p>
@@ -804,7 +804,7 @@
               <a:pPr>
                 <a:defRPr/>
               </a:pPr>
-              <a:t>‹#›</a:t>
+              <a:t>‹nr.›</a:t>
             </a:fld>
             <a:endParaRPr lang="da-DK" altLang="en-US" dirty="0"/>
           </a:p>
@@ -1018,7 +1018,7 @@
               <a:pPr>
                 <a:defRPr/>
               </a:pPr>
-              <a:t>‹#›</a:t>
+              <a:t>‹nr.›</a:t>
             </a:fld>
             <a:endParaRPr lang="da-DK" altLang="en-US" dirty="0"/>
           </a:p>
@@ -1254,7 +1254,7 @@
               <a:pPr>
                 <a:defRPr/>
               </a:pPr>
-              <a:t>‹#›</a:t>
+              <a:t>‹nr.›</a:t>
             </a:fld>
             <a:endParaRPr lang="da-DK" altLang="en-US" dirty="0"/>
           </a:p>
@@ -1586,7 +1586,7 @@
               <a:pPr>
                 <a:defRPr/>
               </a:pPr>
-              <a:t>‹#›</a:t>
+              <a:t>‹nr.›</a:t>
             </a:fld>
             <a:endParaRPr lang="da-DK" altLang="en-US" dirty="0"/>
           </a:p>
@@ -2052,7 +2052,7 @@
               <a:pPr>
                 <a:defRPr/>
               </a:pPr>
-              <a:t>‹#›</a:t>
+              <a:t>‹nr.›</a:t>
             </a:fld>
             <a:endParaRPr lang="da-DK" altLang="en-US" dirty="0"/>
           </a:p>
@@ -2214,7 +2214,7 @@
               <a:pPr>
                 <a:defRPr/>
               </a:pPr>
-              <a:t>‹#›</a:t>
+              <a:t>‹nr.›</a:t>
             </a:fld>
             <a:endParaRPr lang="da-DK" altLang="en-US" dirty="0"/>
           </a:p>
@@ -2353,7 +2353,7 @@
               <a:pPr>
                 <a:defRPr/>
               </a:pPr>
-              <a:t>‹#›</a:t>
+              <a:t>‹nr.›</a:t>
             </a:fld>
             <a:endParaRPr lang="da-DK" altLang="en-US" dirty="0"/>
           </a:p>
@@ -2674,7 +2674,7 @@
               <a:pPr>
                 <a:defRPr/>
               </a:pPr>
-              <a:t>‹#›</a:t>
+              <a:t>‹nr.›</a:t>
             </a:fld>
             <a:endParaRPr lang="da-DK" altLang="en-US" dirty="0"/>
           </a:p>
@@ -2972,7 +2972,7 @@
               <a:pPr>
                 <a:defRPr/>
               </a:pPr>
-              <a:t>‹#›</a:t>
+              <a:t>‹nr.›</a:t>
             </a:fld>
             <a:endParaRPr lang="da-DK" altLang="en-US" dirty="0"/>
           </a:p>
@@ -3333,7 +3333,7 @@
               <a:pPr>
                 <a:defRPr/>
               </a:pPr>
-              <a:t>‹#›</a:t>
+              <a:t>‹nr.›</a:t>
             </a:fld>
             <a:endParaRPr lang="da-DK" altLang="en-US" dirty="0"/>
           </a:p>
@@ -3759,6 +3759,178 @@
       </p:grpSpPr>
       <p:sp>
         <p:nvSpPr>
+          <p:cNvPr id="48" name="AutoShape 37">
+            <a:extLst>
+              <a:ext uri="{FF2B5EF4-FFF2-40B4-BE49-F238E27FC236}">
+                <a16:creationId xmlns:a16="http://schemas.microsoft.com/office/drawing/2014/main" id="{3A8813AF-3198-4DDC-9BB1-5A4D949D6E6E}"/>
+              </a:ext>
+            </a:extLst>
+          </p:cNvPr>
+          <p:cNvSpPr>
+            <a:spLocks noChangeArrowheads="1"/>
+          </p:cNvSpPr>
+          <p:nvPr/>
+        </p:nvSpPr>
+        <p:spPr bwMode="auto">
+          <a:xfrm>
+            <a:off x="378504" y="10077727"/>
+            <a:ext cx="29489400" cy="13145709"/>
+          </a:xfrm>
+          <a:prstGeom prst="roundRect">
+            <a:avLst>
+              <a:gd name="adj" fmla="val 3875"/>
+            </a:avLst>
+          </a:prstGeom>
+          <a:solidFill>
+            <a:schemeClr val="bg1"/>
+          </a:solidFill>
+          <a:ln w="76200">
+            <a:solidFill>
+              <a:schemeClr val="tx1"/>
+            </a:solidFill>
+            <a:round/>
+            <a:headEnd/>
+            <a:tailEnd/>
+          </a:ln>
+        </p:spPr>
+        <p:txBody>
+          <a:bodyPr wrap="none" anchor="ctr"/>
+          <a:lstStyle>
+            <a:lvl1pPr>
+              <a:spcBef>
+                <a:spcPct val="20000"/>
+              </a:spcBef>
+              <a:buChar char="•"/>
+              <a:defRPr sz="14600">
+                <a:solidFill>
+                  <a:schemeClr val="tx1"/>
+                </a:solidFill>
+                <a:latin typeface="Arial" panose="020B0604020202020204" pitchFamily="34" charset="0"/>
+              </a:defRPr>
+            </a:lvl1pPr>
+            <a:lvl2pPr marL="742950" indent="-285750">
+              <a:spcBef>
+                <a:spcPct val="20000"/>
+              </a:spcBef>
+              <a:buChar char="–"/>
+              <a:defRPr sz="12800">
+                <a:solidFill>
+                  <a:schemeClr val="tx1"/>
+                </a:solidFill>
+                <a:latin typeface="Arial" panose="020B0604020202020204" pitchFamily="34" charset="0"/>
+              </a:defRPr>
+            </a:lvl2pPr>
+            <a:lvl3pPr marL="1143000" indent="-228600">
+              <a:spcBef>
+                <a:spcPct val="20000"/>
+              </a:spcBef>
+              <a:buChar char="•"/>
+              <a:defRPr sz="11000">
+                <a:solidFill>
+                  <a:schemeClr val="tx1"/>
+                </a:solidFill>
+                <a:latin typeface="Arial" panose="020B0604020202020204" pitchFamily="34" charset="0"/>
+              </a:defRPr>
+            </a:lvl3pPr>
+            <a:lvl4pPr marL="1600200" indent="-228600">
+              <a:spcBef>
+                <a:spcPct val="20000"/>
+              </a:spcBef>
+              <a:buChar char="–"/>
+              <a:defRPr sz="9100">
+                <a:solidFill>
+                  <a:schemeClr val="tx1"/>
+                </a:solidFill>
+                <a:latin typeface="Arial" panose="020B0604020202020204" pitchFamily="34" charset="0"/>
+              </a:defRPr>
+            </a:lvl4pPr>
+            <a:lvl5pPr marL="2057400" indent="-228600">
+              <a:spcBef>
+                <a:spcPct val="20000"/>
+              </a:spcBef>
+              <a:buChar char="»"/>
+              <a:defRPr sz="9100">
+                <a:solidFill>
+                  <a:schemeClr val="tx1"/>
+                </a:solidFill>
+                <a:latin typeface="Arial" panose="020B0604020202020204" pitchFamily="34" charset="0"/>
+              </a:defRPr>
+            </a:lvl5pPr>
+            <a:lvl6pPr marL="2514600" indent="-228600" eaLnBrk="0" fontAlgn="base" hangingPunct="0">
+              <a:spcBef>
+                <a:spcPct val="20000"/>
+              </a:spcBef>
+              <a:spcAft>
+                <a:spcPct val="0"/>
+              </a:spcAft>
+              <a:buChar char="»"/>
+              <a:defRPr sz="9100">
+                <a:solidFill>
+                  <a:schemeClr val="tx1"/>
+                </a:solidFill>
+                <a:latin typeface="Arial" panose="020B0604020202020204" pitchFamily="34" charset="0"/>
+              </a:defRPr>
+            </a:lvl6pPr>
+            <a:lvl7pPr marL="2971800" indent="-228600" eaLnBrk="0" fontAlgn="base" hangingPunct="0">
+              <a:spcBef>
+                <a:spcPct val="20000"/>
+              </a:spcBef>
+              <a:spcAft>
+                <a:spcPct val="0"/>
+              </a:spcAft>
+              <a:buChar char="»"/>
+              <a:defRPr sz="9100">
+                <a:solidFill>
+                  <a:schemeClr val="tx1"/>
+                </a:solidFill>
+                <a:latin typeface="Arial" panose="020B0604020202020204" pitchFamily="34" charset="0"/>
+              </a:defRPr>
+            </a:lvl7pPr>
+            <a:lvl8pPr marL="3429000" indent="-228600" eaLnBrk="0" fontAlgn="base" hangingPunct="0">
+              <a:spcBef>
+                <a:spcPct val="20000"/>
+              </a:spcBef>
+              <a:spcAft>
+                <a:spcPct val="0"/>
+              </a:spcAft>
+              <a:buChar char="»"/>
+              <a:defRPr sz="9100">
+                <a:solidFill>
+                  <a:schemeClr val="tx1"/>
+                </a:solidFill>
+                <a:latin typeface="Arial" panose="020B0604020202020204" pitchFamily="34" charset="0"/>
+              </a:defRPr>
+            </a:lvl8pPr>
+            <a:lvl9pPr marL="3886200" indent="-228600" eaLnBrk="0" fontAlgn="base" hangingPunct="0">
+              <a:spcBef>
+                <a:spcPct val="20000"/>
+              </a:spcBef>
+              <a:spcAft>
+                <a:spcPct val="0"/>
+              </a:spcAft>
+              <a:buChar char="»"/>
+              <a:defRPr sz="9100">
+                <a:solidFill>
+                  <a:schemeClr val="tx1"/>
+                </a:solidFill>
+                <a:latin typeface="Arial" panose="020B0604020202020204" pitchFamily="34" charset="0"/>
+              </a:defRPr>
+            </a:lvl9pPr>
+          </a:lstStyle>
+          <a:p>
+            <a:pPr eaLnBrk="1" hangingPunct="1">
+              <a:spcBef>
+                <a:spcPct val="0"/>
+              </a:spcBef>
+              <a:buFontTx/>
+              <a:buNone/>
+            </a:pPr>
+            <a:endParaRPr lang="en-GB" altLang="en-US" sz="6600" dirty="0"/>
+          </a:p>
+        </p:txBody>
+      </p:sp>
+      <p:sp>
+        <p:nvSpPr>
           <p:cNvPr id="13314" name="Text Box 4">
             <a:extLst>
               <a:ext uri="{FF2B5EF4-FFF2-40B4-BE49-F238E27FC236}">
@@ -3774,7 +3946,207 @@
         <p:spPr bwMode="auto">
           <a:xfrm>
             <a:off x="796925" y="373063"/>
-            <a:ext cx="14719300" cy="3386137"/>
+            <a:ext cx="28193206" cy="2431435"/>
+          </a:xfrm>
+          <a:prstGeom prst="rect">
+            <a:avLst/>
+          </a:prstGeom>
+          <a:noFill/>
+          <a:ln>
+            <a:noFill/>
+          </a:ln>
+          <a:extLst>
+            <a:ext uri="{909E8E84-426E-40DD-AFC4-6F175D3DCCD1}">
+              <a14:hiddenFill xmlns:a14="http://schemas.microsoft.com/office/drawing/2010/main">
+                <a:solidFill>
+                  <a:srgbClr val="FFFFFF"/>
+                </a:solidFill>
+              </a14:hiddenFill>
+            </a:ext>
+            <a:ext uri="{91240B29-F687-4F45-9708-019B960494DF}">
+              <a14:hiddenLine xmlns:a14="http://schemas.microsoft.com/office/drawing/2010/main" w="9525">
+                <a:solidFill>
+                  <a:srgbClr val="000000"/>
+                </a:solidFill>
+                <a:miter lim="800000"/>
+                <a:headEnd/>
+                <a:tailEnd/>
+              </a14:hiddenLine>
+            </a:ext>
+          </a:extLst>
+        </p:spPr>
+        <p:txBody>
+          <a:bodyPr wrap="square">
+            <a:spAutoFit/>
+          </a:bodyPr>
+          <a:lstStyle>
+            <a:lvl1pPr defTabSz="4173538">
+              <a:spcBef>
+                <a:spcPct val="20000"/>
+              </a:spcBef>
+              <a:buChar char="•"/>
+              <a:defRPr sz="14600">
+                <a:solidFill>
+                  <a:schemeClr val="tx1"/>
+                </a:solidFill>
+                <a:latin typeface="Arial" panose="020B0604020202020204" pitchFamily="34" charset="0"/>
+              </a:defRPr>
+            </a:lvl1pPr>
+            <a:lvl2pPr marL="742950" indent="-285750" defTabSz="4173538">
+              <a:spcBef>
+                <a:spcPct val="20000"/>
+              </a:spcBef>
+              <a:buChar char="–"/>
+              <a:defRPr sz="12800">
+                <a:solidFill>
+                  <a:schemeClr val="tx1"/>
+                </a:solidFill>
+                <a:latin typeface="Arial" panose="020B0604020202020204" pitchFamily="34" charset="0"/>
+              </a:defRPr>
+            </a:lvl2pPr>
+            <a:lvl3pPr marL="1143000" indent="-228600" defTabSz="4173538">
+              <a:spcBef>
+                <a:spcPct val="20000"/>
+              </a:spcBef>
+              <a:buChar char="•"/>
+              <a:defRPr sz="11000">
+                <a:solidFill>
+                  <a:schemeClr val="tx1"/>
+                </a:solidFill>
+                <a:latin typeface="Arial" panose="020B0604020202020204" pitchFamily="34" charset="0"/>
+              </a:defRPr>
+            </a:lvl3pPr>
+            <a:lvl4pPr marL="1600200" indent="-228600" defTabSz="4173538">
+              <a:spcBef>
+                <a:spcPct val="20000"/>
+              </a:spcBef>
+              <a:buChar char="–"/>
+              <a:defRPr sz="9100">
+                <a:solidFill>
+                  <a:schemeClr val="tx1"/>
+                </a:solidFill>
+                <a:latin typeface="Arial" panose="020B0604020202020204" pitchFamily="34" charset="0"/>
+              </a:defRPr>
+            </a:lvl4pPr>
+            <a:lvl5pPr marL="2057400" indent="-228600" defTabSz="4173538">
+              <a:spcBef>
+                <a:spcPct val="20000"/>
+              </a:spcBef>
+              <a:buChar char="»"/>
+              <a:defRPr sz="9100">
+                <a:solidFill>
+                  <a:schemeClr val="tx1"/>
+                </a:solidFill>
+                <a:latin typeface="Arial" panose="020B0604020202020204" pitchFamily="34" charset="0"/>
+              </a:defRPr>
+            </a:lvl5pPr>
+            <a:lvl6pPr marL="2514600" indent="-228600" defTabSz="4173538" eaLnBrk="0" fontAlgn="base" hangingPunct="0">
+              <a:spcBef>
+                <a:spcPct val="20000"/>
+              </a:spcBef>
+              <a:spcAft>
+                <a:spcPct val="0"/>
+              </a:spcAft>
+              <a:buChar char="»"/>
+              <a:defRPr sz="9100">
+                <a:solidFill>
+                  <a:schemeClr val="tx1"/>
+                </a:solidFill>
+                <a:latin typeface="Arial" panose="020B0604020202020204" pitchFamily="34" charset="0"/>
+              </a:defRPr>
+            </a:lvl6pPr>
+            <a:lvl7pPr marL="2971800" indent="-228600" defTabSz="4173538" eaLnBrk="0" fontAlgn="base" hangingPunct="0">
+              <a:spcBef>
+                <a:spcPct val="20000"/>
+              </a:spcBef>
+              <a:spcAft>
+                <a:spcPct val="0"/>
+              </a:spcAft>
+              <a:buChar char="»"/>
+              <a:defRPr sz="9100">
+                <a:solidFill>
+                  <a:schemeClr val="tx1"/>
+                </a:solidFill>
+                <a:latin typeface="Arial" panose="020B0604020202020204" pitchFamily="34" charset="0"/>
+              </a:defRPr>
+            </a:lvl7pPr>
+            <a:lvl8pPr marL="3429000" indent="-228600" defTabSz="4173538" eaLnBrk="0" fontAlgn="base" hangingPunct="0">
+              <a:spcBef>
+                <a:spcPct val="20000"/>
+              </a:spcBef>
+              <a:spcAft>
+                <a:spcPct val="0"/>
+              </a:spcAft>
+              <a:buChar char="»"/>
+              <a:defRPr sz="9100">
+                <a:solidFill>
+                  <a:schemeClr val="tx1"/>
+                </a:solidFill>
+                <a:latin typeface="Arial" panose="020B0604020202020204" pitchFamily="34" charset="0"/>
+              </a:defRPr>
+            </a:lvl8pPr>
+            <a:lvl9pPr marL="3886200" indent="-228600" defTabSz="4173538" eaLnBrk="0" fontAlgn="base" hangingPunct="0">
+              <a:spcBef>
+                <a:spcPct val="20000"/>
+              </a:spcBef>
+              <a:spcAft>
+                <a:spcPct val="0"/>
+              </a:spcAft>
+              <a:buChar char="»"/>
+              <a:defRPr sz="9100">
+                <a:solidFill>
+                  <a:schemeClr val="tx1"/>
+                </a:solidFill>
+                <a:latin typeface="Arial" panose="020B0604020202020204" pitchFamily="34" charset="0"/>
+              </a:defRPr>
+            </a:lvl9pPr>
+          </a:lstStyle>
+          <a:p>
+            <a:pPr eaLnBrk="1" hangingPunct="1">
+              <a:spcBef>
+                <a:spcPct val="0"/>
+              </a:spcBef>
+              <a:buFontTx/>
+              <a:buNone/>
+            </a:pPr>
+            <a:r>
+              <a:rPr lang="en-GB" altLang="en-US" sz="9000" b="1" dirty="0"/>
+              <a:t>WDN …</a:t>
+            </a:r>
+          </a:p>
+          <a:p>
+            <a:pPr eaLnBrk="1" hangingPunct="1">
+              <a:spcBef>
+                <a:spcPct val="0"/>
+              </a:spcBef>
+              <a:buFontTx/>
+              <a:buNone/>
+            </a:pPr>
+            <a:r>
+              <a:rPr lang="en-GB" altLang="en-US" sz="6200" dirty="0"/>
+              <a:t>Subtitle goes here</a:t>
+            </a:r>
+          </a:p>
+        </p:txBody>
+      </p:sp>
+      <p:sp>
+        <p:nvSpPr>
+          <p:cNvPr id="13315" name="Text Box 5">
+            <a:extLst>
+              <a:ext uri="{FF2B5EF4-FFF2-40B4-BE49-F238E27FC236}">
+                <a16:creationId xmlns:a16="http://schemas.microsoft.com/office/drawing/2014/main" id="{17F3F21B-BC98-DB4A-B1CE-106D093A4F9F}"/>
+              </a:ext>
+            </a:extLst>
+          </p:cNvPr>
+          <p:cNvSpPr txBox="1">
+            <a:spLocks noChangeArrowheads="1"/>
+          </p:cNvSpPr>
+          <p:nvPr/>
+        </p:nvSpPr>
+        <p:spPr bwMode="auto">
+          <a:xfrm>
+            <a:off x="17004208" y="32386"/>
+            <a:ext cx="14493875" cy="1754187"/>
           </a:xfrm>
           <a:prstGeom prst="rect">
             <a:avLst/>
@@ -3938,8 +4310,8 @@
               <a:buNone/>
             </a:pPr>
             <a:r>
-              <a:rPr lang="en-GB" altLang="en-US" sz="9000" b="1"/>
-              <a:t>WDN …</a:t>
+              <a:rPr lang="en-GB" altLang="en-US" sz="3600" dirty="0"/>
+              <a:t>Author names</a:t>
             </a:r>
           </a:p>
           <a:p>
@@ -3951,220 +4323,7 @@
               <a:buNone/>
             </a:pPr>
             <a:r>
-              <a:rPr lang="en-GB" altLang="en-US" sz="6200"/>
-              <a:t>Subtitle goes here</a:t>
-            </a:r>
-          </a:p>
-          <a:p>
-            <a:pPr eaLnBrk="1" hangingPunct="1">
-              <a:spcBef>
-                <a:spcPct val="0"/>
-              </a:spcBef>
-              <a:buFontTx/>
-              <a:buNone/>
-            </a:pPr>
-            <a:r>
-              <a:rPr lang="en-GB" altLang="en-US" sz="6200"/>
-              <a:t>Continues if neccessary</a:t>
-            </a:r>
-          </a:p>
-        </p:txBody>
-      </p:sp>
-      <p:sp>
-        <p:nvSpPr>
-          <p:cNvPr id="13315" name="Text Box 5">
-            <a:extLst>
-              <a:ext uri="{FF2B5EF4-FFF2-40B4-BE49-F238E27FC236}">
-                <a16:creationId xmlns:a16="http://schemas.microsoft.com/office/drawing/2014/main" id="{17F3F21B-BC98-DB4A-B1CE-106D093A4F9F}"/>
-              </a:ext>
-            </a:extLst>
-          </p:cNvPr>
-          <p:cNvSpPr txBox="1">
-            <a:spLocks noChangeArrowheads="1"/>
-          </p:cNvSpPr>
-          <p:nvPr/>
-        </p:nvSpPr>
-        <p:spPr bwMode="auto">
-          <a:xfrm>
-            <a:off x="768350" y="3649663"/>
-            <a:ext cx="14493875" cy="1754187"/>
-          </a:xfrm>
-          <a:prstGeom prst="rect">
-            <a:avLst/>
-          </a:prstGeom>
-          <a:noFill/>
-          <a:ln>
-            <a:noFill/>
-          </a:ln>
-          <a:extLst>
-            <a:ext uri="{909E8E84-426E-40DD-AFC4-6F175D3DCCD1}">
-              <a14:hiddenFill xmlns:a14="http://schemas.microsoft.com/office/drawing/2010/main">
-                <a:solidFill>
-                  <a:srgbClr val="FFFFFF"/>
-                </a:solidFill>
-              </a14:hiddenFill>
-            </a:ext>
-            <a:ext uri="{91240B29-F687-4F45-9708-019B960494DF}">
-              <a14:hiddenLine xmlns:a14="http://schemas.microsoft.com/office/drawing/2010/main" w="9525">
-                <a:solidFill>
-                  <a:srgbClr val="000000"/>
-                </a:solidFill>
-                <a:miter lim="800000"/>
-                <a:headEnd/>
-                <a:tailEnd/>
-              </a14:hiddenLine>
-            </a:ext>
-          </a:extLst>
-        </p:spPr>
-        <p:txBody>
-          <a:bodyPr>
-            <a:spAutoFit/>
-          </a:bodyPr>
-          <a:lstStyle>
-            <a:lvl1pPr defTabSz="4173538">
-              <a:spcBef>
-                <a:spcPct val="20000"/>
-              </a:spcBef>
-              <a:buChar char="•"/>
-              <a:defRPr sz="14600">
-                <a:solidFill>
-                  <a:schemeClr val="tx1"/>
-                </a:solidFill>
-                <a:latin typeface="Arial" panose="020B0604020202020204" pitchFamily="34" charset="0"/>
-              </a:defRPr>
-            </a:lvl1pPr>
-            <a:lvl2pPr marL="742950" indent="-285750" defTabSz="4173538">
-              <a:spcBef>
-                <a:spcPct val="20000"/>
-              </a:spcBef>
-              <a:buChar char="–"/>
-              <a:defRPr sz="12800">
-                <a:solidFill>
-                  <a:schemeClr val="tx1"/>
-                </a:solidFill>
-                <a:latin typeface="Arial" panose="020B0604020202020204" pitchFamily="34" charset="0"/>
-              </a:defRPr>
-            </a:lvl2pPr>
-            <a:lvl3pPr marL="1143000" indent="-228600" defTabSz="4173538">
-              <a:spcBef>
-                <a:spcPct val="20000"/>
-              </a:spcBef>
-              <a:buChar char="•"/>
-              <a:defRPr sz="11000">
-                <a:solidFill>
-                  <a:schemeClr val="tx1"/>
-                </a:solidFill>
-                <a:latin typeface="Arial" panose="020B0604020202020204" pitchFamily="34" charset="0"/>
-              </a:defRPr>
-            </a:lvl3pPr>
-            <a:lvl4pPr marL="1600200" indent="-228600" defTabSz="4173538">
-              <a:spcBef>
-                <a:spcPct val="20000"/>
-              </a:spcBef>
-              <a:buChar char="–"/>
-              <a:defRPr sz="9100">
-                <a:solidFill>
-                  <a:schemeClr val="tx1"/>
-                </a:solidFill>
-                <a:latin typeface="Arial" panose="020B0604020202020204" pitchFamily="34" charset="0"/>
-              </a:defRPr>
-            </a:lvl4pPr>
-            <a:lvl5pPr marL="2057400" indent="-228600" defTabSz="4173538">
-              <a:spcBef>
-                <a:spcPct val="20000"/>
-              </a:spcBef>
-              <a:buChar char="»"/>
-              <a:defRPr sz="9100">
-                <a:solidFill>
-                  <a:schemeClr val="tx1"/>
-                </a:solidFill>
-                <a:latin typeface="Arial" panose="020B0604020202020204" pitchFamily="34" charset="0"/>
-              </a:defRPr>
-            </a:lvl5pPr>
-            <a:lvl6pPr marL="2514600" indent="-228600" defTabSz="4173538" eaLnBrk="0" fontAlgn="base" hangingPunct="0">
-              <a:spcBef>
-                <a:spcPct val="20000"/>
-              </a:spcBef>
-              <a:spcAft>
-                <a:spcPct val="0"/>
-              </a:spcAft>
-              <a:buChar char="»"/>
-              <a:defRPr sz="9100">
-                <a:solidFill>
-                  <a:schemeClr val="tx1"/>
-                </a:solidFill>
-                <a:latin typeface="Arial" panose="020B0604020202020204" pitchFamily="34" charset="0"/>
-              </a:defRPr>
-            </a:lvl6pPr>
-            <a:lvl7pPr marL="2971800" indent="-228600" defTabSz="4173538" eaLnBrk="0" fontAlgn="base" hangingPunct="0">
-              <a:spcBef>
-                <a:spcPct val="20000"/>
-              </a:spcBef>
-              <a:spcAft>
-                <a:spcPct val="0"/>
-              </a:spcAft>
-              <a:buChar char="»"/>
-              <a:defRPr sz="9100">
-                <a:solidFill>
-                  <a:schemeClr val="tx1"/>
-                </a:solidFill>
-                <a:latin typeface="Arial" panose="020B0604020202020204" pitchFamily="34" charset="0"/>
-              </a:defRPr>
-            </a:lvl7pPr>
-            <a:lvl8pPr marL="3429000" indent="-228600" defTabSz="4173538" eaLnBrk="0" fontAlgn="base" hangingPunct="0">
-              <a:spcBef>
-                <a:spcPct val="20000"/>
-              </a:spcBef>
-              <a:spcAft>
-                <a:spcPct val="0"/>
-              </a:spcAft>
-              <a:buChar char="»"/>
-              <a:defRPr sz="9100">
-                <a:solidFill>
-                  <a:schemeClr val="tx1"/>
-                </a:solidFill>
-                <a:latin typeface="Arial" panose="020B0604020202020204" pitchFamily="34" charset="0"/>
-              </a:defRPr>
-            </a:lvl8pPr>
-            <a:lvl9pPr marL="3886200" indent="-228600" defTabSz="4173538" eaLnBrk="0" fontAlgn="base" hangingPunct="0">
-              <a:spcBef>
-                <a:spcPct val="20000"/>
-              </a:spcBef>
-              <a:spcAft>
-                <a:spcPct val="0"/>
-              </a:spcAft>
-              <a:buChar char="»"/>
-              <a:defRPr sz="9100">
-                <a:solidFill>
-                  <a:schemeClr val="tx1"/>
-                </a:solidFill>
-                <a:latin typeface="Arial" panose="020B0604020202020204" pitchFamily="34" charset="0"/>
-              </a:defRPr>
-            </a:lvl9pPr>
-          </a:lstStyle>
-          <a:p>
-            <a:pPr eaLnBrk="1" hangingPunct="1">
-              <a:spcBef>
-                <a:spcPct val="0"/>
-              </a:spcBef>
-              <a:buFontTx/>
-              <a:buNone/>
-            </a:pPr>
-            <a:r>
-              <a:rPr lang="en-GB" altLang="en-US" sz="3600"/>
-              <a:t>Author names</a:t>
-            </a:r>
-          </a:p>
-          <a:p>
-            <a:pPr eaLnBrk="1" hangingPunct="1">
-              <a:spcBef>
-                <a:spcPct val="0"/>
-              </a:spcBef>
-              <a:buFontTx/>
-              <a:buNone/>
-            </a:pPr>
-            <a:r>
-              <a:rPr lang="en-GB" altLang="en-US" sz="3600"/>
+              <a:rPr lang="en-GB" altLang="en-US" sz="3600" dirty="0"/>
               <a:t>Address, Department of Electronic Systems, Aalborg University, Denmark</a:t>
             </a:r>
           </a:p>
@@ -4186,7 +4345,7 @@
         </p:nvGrpSpPr>
         <p:grpSpPr bwMode="auto">
           <a:xfrm>
-            <a:off x="15157450" y="34358263"/>
+            <a:off x="15335554" y="33892606"/>
             <a:ext cx="14670088" cy="5853112"/>
             <a:chOff x="15464295" y="29481462"/>
             <a:chExt cx="14669630" cy="8610601"/>
@@ -4545,7 +4704,7 @@
                 <a:buNone/>
               </a:pPr>
               <a:r>
-                <a:rPr lang="en-GB" altLang="en-US" sz="6600"/>
+                <a:rPr lang="en-GB" altLang="en-US" sz="6600" dirty="0"/>
                 <a:t>Conclusions </a:t>
               </a:r>
             </a:p>
@@ -5334,8 +5493,8 @@
         </p:nvSpPr>
         <p:spPr bwMode="auto">
           <a:xfrm>
-            <a:off x="431800" y="5391150"/>
-            <a:ext cx="14287500" cy="13411200"/>
+            <a:off x="431800" y="2811462"/>
+            <a:ext cx="29489400" cy="6445806"/>
           </a:xfrm>
           <a:prstGeom prst="roundRect">
             <a:avLst>
@@ -5519,7 +5678,7 @@
         </p:blipFill>
         <p:spPr bwMode="auto">
           <a:xfrm>
-            <a:off x="1638667" y="15136494"/>
+            <a:off x="10728326" y="5755623"/>
             <a:ext cx="9994900" cy="2782887"/>
           </a:xfrm>
           <a:prstGeom prst="rect">
@@ -5566,7 +5725,7 @@
         </p:nvSpPr>
         <p:spPr bwMode="auto">
           <a:xfrm>
-            <a:off x="655638" y="5508625"/>
+            <a:off x="655638" y="2928937"/>
             <a:ext cx="13803312" cy="1108075"/>
           </a:xfrm>
           <a:prstGeom prst="rect">
@@ -5766,7 +5925,7 @@
         </p:blipFill>
         <p:spPr bwMode="auto">
           <a:xfrm>
-            <a:off x="6636117" y="9527559"/>
+            <a:off x="21093499" y="3337996"/>
             <a:ext cx="7600950" cy="5392738"/>
           </a:xfrm>
           <a:prstGeom prst="rect">
@@ -5813,7 +5972,7 @@
         </p:nvGrpSpPr>
         <p:grpSpPr bwMode="auto">
           <a:xfrm>
-            <a:off x="431800" y="19346863"/>
+            <a:off x="-17034669" y="19346863"/>
             <a:ext cx="14303375" cy="20864512"/>
             <a:chOff x="509494" y="19346863"/>
             <a:chExt cx="14303675" cy="13487400"/>
@@ -6195,7 +6354,7 @@
         </p:nvGrpSpPr>
         <p:grpSpPr bwMode="auto">
           <a:xfrm>
-            <a:off x="15157450" y="28138438"/>
+            <a:off x="333920" y="33974936"/>
             <a:ext cx="14706600" cy="5851525"/>
             <a:chOff x="15123210" y="5326064"/>
             <a:chExt cx="14705915" cy="23926801"/>
@@ -6751,8 +6910,8 @@
         </p:nvGrpSpPr>
         <p:grpSpPr bwMode="auto">
           <a:xfrm>
-            <a:off x="15157450" y="11976100"/>
-            <a:ext cx="14752638" cy="15828963"/>
+            <a:off x="431800" y="23422182"/>
+            <a:ext cx="29489400" cy="10186044"/>
             <a:chOff x="400843" y="33291458"/>
             <a:chExt cx="14554200" cy="8839199"/>
           </a:xfrm>
@@ -7146,7 +7305,7 @@
         </p:blipFill>
         <p:spPr bwMode="auto">
           <a:xfrm>
-            <a:off x="24903113" y="373063"/>
+            <a:off x="41497746" y="1042830"/>
             <a:ext cx="4695825" cy="4725987"/>
           </a:xfrm>
           <a:prstGeom prst="rect">
@@ -7193,7 +7352,7 @@
         </p:nvGrpSpPr>
         <p:grpSpPr bwMode="auto">
           <a:xfrm>
-            <a:off x="15214600" y="239713"/>
+            <a:off x="31809233" y="909480"/>
             <a:ext cx="14695488" cy="11303000"/>
             <a:chOff x="15579725" y="29481462"/>
             <a:chExt cx="14554200" cy="8610601"/>
@@ -7552,7 +7711,7 @@
                 <a:buNone/>
               </a:pPr>
               <a:r>
-                <a:rPr lang="en-GB" altLang="en-US" sz="6600"/>
+                <a:rPr lang="en-GB" altLang="en-US" sz="6600" dirty="0"/>
                 <a:t>Controller and filter design</a:t>
               </a:r>
             </a:p>
@@ -7940,7 +8099,7 @@
         </p:nvSpPr>
         <p:spPr bwMode="auto">
           <a:xfrm>
-            <a:off x="805656" y="11836956"/>
+            <a:off x="1219977" y="7226282"/>
             <a:ext cx="9175750" cy="1569660"/>
           </a:xfrm>
           <a:prstGeom prst="rect">
@@ -8115,7 +8274,7 @@
         </p:nvSpPr>
         <p:spPr bwMode="auto">
           <a:xfrm>
-            <a:off x="779463" y="6616700"/>
+            <a:off x="779463" y="4037012"/>
             <a:ext cx="13738225" cy="3693319"/>
           </a:xfrm>
           <a:prstGeom prst="rect">
@@ -8339,66 +8498,6 @@
           </a:p>
         </p:txBody>
       </p:sp>
-      <p:pic>
-        <p:nvPicPr>
-          <p:cNvPr id="13341" name="Picture 8">
-            <a:extLst>
-              <a:ext uri="{FF2B5EF4-FFF2-40B4-BE49-F238E27FC236}">
-                <a16:creationId xmlns:a16="http://schemas.microsoft.com/office/drawing/2014/main" id="{B959DBC8-D19A-6441-8E3E-3CDF14ED708A}"/>
-              </a:ext>
-            </a:extLst>
-          </p:cNvPr>
-          <p:cNvPicPr>
-            <a:picLocks noChangeAspect="1" noChangeArrowheads="1"/>
-          </p:cNvPicPr>
-          <p:nvPr/>
-        </p:nvPicPr>
-        <p:blipFill>
-          <a:blip r:embed="rId5">
-            <a:extLst>
-              <a:ext uri="{28A0092B-C50C-407E-A947-70E740481C1C}">
-                <a14:useLocalDpi xmlns:a14="http://schemas.microsoft.com/office/drawing/2010/main" val="0"/>
-              </a:ext>
-            </a:extLst>
-          </a:blip>
-          <a:srcRect/>
-          <a:stretch>
-            <a:fillRect/>
-          </a:stretch>
-        </p:blipFill>
-        <p:spPr bwMode="auto">
-          <a:xfrm>
-            <a:off x="5780088" y="23339425"/>
-            <a:ext cx="8640762" cy="3702050"/>
-          </a:xfrm>
-          <a:prstGeom prst="rect">
-            <a:avLst/>
-          </a:prstGeom>
-          <a:noFill/>
-          <a:ln>
-            <a:noFill/>
-          </a:ln>
-          <a:extLst>
-            <a:ext uri="{909E8E84-426E-40DD-AFC4-6F175D3DCCD1}">
-              <a14:hiddenFill xmlns:a14="http://schemas.microsoft.com/office/drawing/2010/main">
-                <a:solidFill>
-                  <a:srgbClr val="FFFFFF"/>
-                </a:solidFill>
-              </a14:hiddenFill>
-            </a:ext>
-            <a:ext uri="{91240B29-F687-4F45-9708-019B960494DF}">
-              <a14:hiddenLine xmlns:a14="http://schemas.microsoft.com/office/drawing/2010/main" w="9525">
-                <a:solidFill>
-                  <a:srgbClr val="000000"/>
-                </a:solidFill>
-                <a:miter lim="800000"/>
-                <a:headEnd/>
-                <a:tailEnd/>
-              </a14:hiddenLine>
-            </a:ext>
-          </a:extLst>
-        </p:spPr>
-      </p:pic>
       <p:sp>
         <p:nvSpPr>
           <p:cNvPr id="2" name="TextBox 1">
@@ -8413,8 +8512,8 @@
         </p:nvSpPr>
         <p:spPr>
           <a:xfrm>
-            <a:off x="779463" y="20985917"/>
-            <a:ext cx="13424693" cy="8586966"/>
+            <a:off x="-21402293" y="21272913"/>
+            <a:ext cx="13424693" cy="9325630"/>
           </a:xfrm>
           <a:prstGeom prst="rect">
             <a:avLst/>
@@ -8542,6 +8641,20 @@
               <a:buChar char="-"/>
             </a:pPr>
             <a:endParaRPr lang="en-DK" sz="2400" dirty="0"/>
+          </a:p>
+          <a:p>
+            <a:pPr marL="342900" indent="-342900">
+              <a:buFontTx/>
+              <a:buChar char="-"/>
+            </a:pPr>
+            <a:endParaRPr lang="en-US" sz="2400" dirty="0"/>
+          </a:p>
+          <a:p>
+            <a:pPr marL="342900" indent="-342900">
+              <a:buFontTx/>
+              <a:buChar char="-"/>
+            </a:pPr>
+            <a:endParaRPr lang="en-US" sz="2400" dirty="0"/>
           </a:p>
           <a:p>
             <a:pPr marL="342900" indent="-342900">
@@ -8611,7 +8724,7 @@
         </p:nvSpPr>
         <p:spPr bwMode="auto">
           <a:xfrm>
-            <a:off x="15579725" y="13812301"/>
+            <a:off x="3661129" y="25958851"/>
             <a:ext cx="6515893" cy="1107996"/>
           </a:xfrm>
           <a:prstGeom prst="rect">
@@ -8768,7 +8881,7 @@
         </p:nvSpPr>
         <p:spPr bwMode="auto">
           <a:xfrm>
-            <a:off x="22852524" y="13881322"/>
+            <a:off x="10933928" y="26027872"/>
             <a:ext cx="6924675" cy="430213"/>
           </a:xfrm>
           <a:prstGeom prst="rect">
@@ -8925,7 +9038,7 @@
         </p:nvSpPr>
         <p:spPr bwMode="auto">
           <a:xfrm>
-            <a:off x="15594013" y="13257213"/>
+            <a:off x="3675417" y="25403763"/>
             <a:ext cx="13623925" cy="461962"/>
           </a:xfrm>
           <a:prstGeom prst="rect">
@@ -9082,7 +9195,7 @@
         </p:nvSpPr>
         <p:spPr bwMode="auto">
           <a:xfrm>
-            <a:off x="15516225" y="18032412"/>
+            <a:off x="3597629" y="30178962"/>
             <a:ext cx="6924675" cy="769938"/>
           </a:xfrm>
           <a:prstGeom prst="rect">
@@ -9229,6 +9342,42 @@
             <a:extLst>
               <a:ext uri="{FF2B5EF4-FFF2-40B4-BE49-F238E27FC236}">
                 <a16:creationId xmlns:a16="http://schemas.microsoft.com/office/drawing/2014/main" id="{32ED717A-6CB9-EF47-B281-CCA93522B77E}"/>
+              </a:ext>
+            </a:extLst>
+          </p:cNvPr>
+          <p:cNvPicPr>
+            <a:picLocks noChangeAspect="1"/>
+          </p:cNvPicPr>
+          <p:nvPr/>
+        </p:nvPicPr>
+        <p:blipFill>
+          <a:blip r:embed="rId5">
+            <a:extLst>
+              <a:ext uri="{28A0092B-C50C-407E-A947-70E740481C1C}">
+                <a14:useLocalDpi xmlns:a14="http://schemas.microsoft.com/office/drawing/2010/main" val="0"/>
+              </a:ext>
+            </a:extLst>
+          </a:blip>
+          <a:stretch>
+            <a:fillRect/>
+          </a:stretch>
+        </p:blipFill>
+        <p:spPr>
+          <a:xfrm>
+            <a:off x="20224076" y="24729358"/>
+            <a:ext cx="6720585" cy="3911229"/>
+          </a:xfrm>
+          <a:prstGeom prst="rect">
+            <a:avLst/>
+          </a:prstGeom>
+        </p:spPr>
+      </p:pic>
+      <p:pic>
+        <p:nvPicPr>
+          <p:cNvPr id="54" name="Picture 53">
+            <a:extLst>
+              <a:ext uri="{FF2B5EF4-FFF2-40B4-BE49-F238E27FC236}">
+                <a16:creationId xmlns:a16="http://schemas.microsoft.com/office/drawing/2014/main" id="{928DD5A1-827C-C142-82B2-EB86987C2556}"/>
               </a:ext>
             </a:extLst>
           </p:cNvPr>
@@ -9251,8 +9400,8 @@
         </p:blipFill>
         <p:spPr>
           <a:xfrm>
-            <a:off x="15536869" y="18832472"/>
-            <a:ext cx="6720585" cy="3911229"/>
+            <a:off x="10861489" y="26537527"/>
+            <a:ext cx="6807818" cy="3903373"/>
           </a:xfrm>
           <a:prstGeom prst="rect">
             <a:avLst/>
@@ -9261,10 +9410,10 @@
       </p:pic>
       <p:pic>
         <p:nvPicPr>
-          <p:cNvPr id="54" name="Picture 53">
+          <p:cNvPr id="55" name="Picture 54">
             <a:extLst>
               <a:ext uri="{FF2B5EF4-FFF2-40B4-BE49-F238E27FC236}">
-                <a16:creationId xmlns:a16="http://schemas.microsoft.com/office/drawing/2014/main" id="{928DD5A1-827C-C142-82B2-EB86987C2556}"/>
+                <a16:creationId xmlns:a16="http://schemas.microsoft.com/office/drawing/2014/main" id="{2C13C81C-FDD6-EB42-9E96-8DB2A50812B6}"/>
               </a:ext>
             </a:extLst>
           </p:cNvPr>
@@ -9287,8 +9436,8 @@
         </p:blipFill>
         <p:spPr>
           <a:xfrm>
-            <a:off x="22780085" y="14390977"/>
-            <a:ext cx="6807818" cy="3903373"/>
+            <a:off x="20240628" y="29195675"/>
+            <a:ext cx="6571830" cy="2804749"/>
           </a:xfrm>
           <a:prstGeom prst="rect">
             <a:avLst/>
@@ -9297,10 +9446,10 @@
       </p:pic>
       <p:pic>
         <p:nvPicPr>
-          <p:cNvPr id="55" name="Picture 54">
+          <p:cNvPr id="56" name="Picture 55">
             <a:extLst>
               <a:ext uri="{FF2B5EF4-FFF2-40B4-BE49-F238E27FC236}">
-                <a16:creationId xmlns:a16="http://schemas.microsoft.com/office/drawing/2014/main" id="{2C13C81C-FDD6-EB42-9E96-8DB2A50812B6}"/>
+                <a16:creationId xmlns:a16="http://schemas.microsoft.com/office/drawing/2014/main" id="{4A077C95-FD8A-2447-8340-EAB9A573F2BC}"/>
               </a:ext>
             </a:extLst>
           </p:cNvPr>
@@ -9323,43 +9472,7 @@
         </p:blipFill>
         <p:spPr>
           <a:xfrm>
-            <a:off x="22874623" y="19947064"/>
-            <a:ext cx="6571830" cy="2804749"/>
-          </a:xfrm>
-          <a:prstGeom prst="rect">
-            <a:avLst/>
-          </a:prstGeom>
-        </p:spPr>
-      </p:pic>
-      <p:pic>
-        <p:nvPicPr>
-          <p:cNvPr id="56" name="Picture 55">
-            <a:extLst>
-              <a:ext uri="{FF2B5EF4-FFF2-40B4-BE49-F238E27FC236}">
-                <a16:creationId xmlns:a16="http://schemas.microsoft.com/office/drawing/2014/main" id="{4A077C95-FD8A-2447-8340-EAB9A573F2BC}"/>
-              </a:ext>
-            </a:extLst>
-          </p:cNvPr>
-          <p:cNvPicPr>
-            <a:picLocks noChangeAspect="1"/>
-          </p:cNvPicPr>
-          <p:nvPr/>
-        </p:nvPicPr>
-        <p:blipFill>
-          <a:blip r:embed="rId9">
-            <a:extLst>
-              <a:ext uri="{28A0092B-C50C-407E-A947-70E740481C1C}">
-                <a14:useLocalDpi xmlns:a14="http://schemas.microsoft.com/office/drawing/2010/main" val="0"/>
-              </a:ext>
-            </a:extLst>
-          </a:blip>
-          <a:stretch>
-            <a:fillRect/>
-          </a:stretch>
-        </p:blipFill>
-        <p:spPr>
-          <a:xfrm>
-            <a:off x="15444884" y="14903897"/>
+            <a:off x="3526288" y="27050447"/>
             <a:ext cx="7065866" cy="2956393"/>
           </a:xfrm>
           <a:prstGeom prst="rect">
@@ -9383,7 +9496,7 @@
         </p:nvSpPr>
         <p:spPr bwMode="auto">
           <a:xfrm>
-            <a:off x="22780085" y="18583431"/>
+            <a:off x="10861489" y="30729981"/>
             <a:ext cx="6890118" cy="1107996"/>
           </a:xfrm>
           <a:prstGeom prst="rect">
@@ -9548,7 +9661,7 @@
         </p:nvSpPr>
         <p:spPr bwMode="auto">
           <a:xfrm>
-            <a:off x="16839903" y="23482971"/>
+            <a:off x="20564893" y="32203168"/>
             <a:ext cx="6924675" cy="769441"/>
           </a:xfrm>
           <a:prstGeom prst="rect">
@@ -9689,6 +9802,2942 @@
           </a:p>
         </p:txBody>
       </p:sp>
+      <p:grpSp>
+        <p:nvGrpSpPr>
+          <p:cNvPr id="61" name="Group 49">
+            <a:extLst>
+              <a:ext uri="{FF2B5EF4-FFF2-40B4-BE49-F238E27FC236}">
+                <a16:creationId xmlns:a16="http://schemas.microsoft.com/office/drawing/2014/main" id="{1CBF86D6-31CB-480B-AE2C-FE7C461FDFD0}"/>
+              </a:ext>
+            </a:extLst>
+          </p:cNvPr>
+          <p:cNvGrpSpPr>
+            <a:grpSpLocks/>
+          </p:cNvGrpSpPr>
+          <p:nvPr/>
+        </p:nvGrpSpPr>
+        <p:grpSpPr bwMode="auto">
+          <a:xfrm>
+            <a:off x="23433739" y="18165796"/>
+            <a:ext cx="5005771" cy="3327962"/>
+            <a:chOff x="15579725" y="29481462"/>
+            <a:chExt cx="14554200" cy="8610601"/>
+          </a:xfrm>
+        </p:grpSpPr>
+        <p:sp>
+          <p:nvSpPr>
+            <p:cNvPr id="62" name="AutoShape 37">
+              <a:extLst>
+                <a:ext uri="{FF2B5EF4-FFF2-40B4-BE49-F238E27FC236}">
+                  <a16:creationId xmlns:a16="http://schemas.microsoft.com/office/drawing/2014/main" id="{977C2CAD-F862-4A27-9516-40172021F717}"/>
+                </a:ext>
+              </a:extLst>
+            </p:cNvPr>
+            <p:cNvSpPr>
+              <a:spLocks noChangeArrowheads="1"/>
+            </p:cNvSpPr>
+            <p:nvPr/>
+          </p:nvSpPr>
+          <p:spPr bwMode="auto">
+            <a:xfrm>
+              <a:off x="15579725" y="29481463"/>
+              <a:ext cx="14554200" cy="8610600"/>
+            </a:xfrm>
+            <a:prstGeom prst="roundRect">
+              <a:avLst>
+                <a:gd name="adj" fmla="val 3875"/>
+              </a:avLst>
+            </a:prstGeom>
+            <a:solidFill>
+              <a:schemeClr val="bg1"/>
+            </a:solidFill>
+            <a:ln w="76200">
+              <a:solidFill>
+                <a:schemeClr val="tx1"/>
+              </a:solidFill>
+              <a:round/>
+              <a:headEnd/>
+              <a:tailEnd/>
+            </a:ln>
+          </p:spPr>
+          <p:txBody>
+            <a:bodyPr wrap="none" anchor="ctr"/>
+            <a:lstStyle>
+              <a:lvl1pPr>
+                <a:spcBef>
+                  <a:spcPct val="20000"/>
+                </a:spcBef>
+                <a:buChar char="•"/>
+                <a:defRPr sz="14600">
+                  <a:solidFill>
+                    <a:schemeClr val="tx1"/>
+                  </a:solidFill>
+                  <a:latin typeface="Arial" panose="020B0604020202020204" pitchFamily="34" charset="0"/>
+                </a:defRPr>
+              </a:lvl1pPr>
+              <a:lvl2pPr marL="742950" indent="-285750">
+                <a:spcBef>
+                  <a:spcPct val="20000"/>
+                </a:spcBef>
+                <a:buChar char="–"/>
+                <a:defRPr sz="12800">
+                  <a:solidFill>
+                    <a:schemeClr val="tx1"/>
+                  </a:solidFill>
+                  <a:latin typeface="Arial" panose="020B0604020202020204" pitchFamily="34" charset="0"/>
+                </a:defRPr>
+              </a:lvl2pPr>
+              <a:lvl3pPr marL="1143000" indent="-228600">
+                <a:spcBef>
+                  <a:spcPct val="20000"/>
+                </a:spcBef>
+                <a:buChar char="•"/>
+                <a:defRPr sz="11000">
+                  <a:solidFill>
+                    <a:schemeClr val="tx1"/>
+                  </a:solidFill>
+                  <a:latin typeface="Arial" panose="020B0604020202020204" pitchFamily="34" charset="0"/>
+                </a:defRPr>
+              </a:lvl3pPr>
+              <a:lvl4pPr marL="1600200" indent="-228600">
+                <a:spcBef>
+                  <a:spcPct val="20000"/>
+                </a:spcBef>
+                <a:buChar char="–"/>
+                <a:defRPr sz="9100">
+                  <a:solidFill>
+                    <a:schemeClr val="tx1"/>
+                  </a:solidFill>
+                  <a:latin typeface="Arial" panose="020B0604020202020204" pitchFamily="34" charset="0"/>
+                </a:defRPr>
+              </a:lvl4pPr>
+              <a:lvl5pPr marL="2057400" indent="-228600">
+                <a:spcBef>
+                  <a:spcPct val="20000"/>
+                </a:spcBef>
+                <a:buChar char="»"/>
+                <a:defRPr sz="9100">
+                  <a:solidFill>
+                    <a:schemeClr val="tx1"/>
+                  </a:solidFill>
+                  <a:latin typeface="Arial" panose="020B0604020202020204" pitchFamily="34" charset="0"/>
+                </a:defRPr>
+              </a:lvl5pPr>
+              <a:lvl6pPr marL="2514600" indent="-228600" eaLnBrk="0" fontAlgn="base" hangingPunct="0">
+                <a:spcBef>
+                  <a:spcPct val="20000"/>
+                </a:spcBef>
+                <a:spcAft>
+                  <a:spcPct val="0"/>
+                </a:spcAft>
+                <a:buChar char="»"/>
+                <a:defRPr sz="9100">
+                  <a:solidFill>
+                    <a:schemeClr val="tx1"/>
+                  </a:solidFill>
+                  <a:latin typeface="Arial" panose="020B0604020202020204" pitchFamily="34" charset="0"/>
+                </a:defRPr>
+              </a:lvl6pPr>
+              <a:lvl7pPr marL="2971800" indent="-228600" eaLnBrk="0" fontAlgn="base" hangingPunct="0">
+                <a:spcBef>
+                  <a:spcPct val="20000"/>
+                </a:spcBef>
+                <a:spcAft>
+                  <a:spcPct val="0"/>
+                </a:spcAft>
+                <a:buChar char="»"/>
+                <a:defRPr sz="9100">
+                  <a:solidFill>
+                    <a:schemeClr val="tx1"/>
+                  </a:solidFill>
+                  <a:latin typeface="Arial" panose="020B0604020202020204" pitchFamily="34" charset="0"/>
+                </a:defRPr>
+              </a:lvl7pPr>
+              <a:lvl8pPr marL="3429000" indent="-228600" eaLnBrk="0" fontAlgn="base" hangingPunct="0">
+                <a:spcBef>
+                  <a:spcPct val="20000"/>
+                </a:spcBef>
+                <a:spcAft>
+                  <a:spcPct val="0"/>
+                </a:spcAft>
+                <a:buChar char="»"/>
+                <a:defRPr sz="9100">
+                  <a:solidFill>
+                    <a:schemeClr val="tx1"/>
+                  </a:solidFill>
+                  <a:latin typeface="Arial" panose="020B0604020202020204" pitchFamily="34" charset="0"/>
+                </a:defRPr>
+              </a:lvl8pPr>
+              <a:lvl9pPr marL="3886200" indent="-228600" eaLnBrk="0" fontAlgn="base" hangingPunct="0">
+                <a:spcBef>
+                  <a:spcPct val="20000"/>
+                </a:spcBef>
+                <a:spcAft>
+                  <a:spcPct val="0"/>
+                </a:spcAft>
+                <a:buChar char="»"/>
+                <a:defRPr sz="9100">
+                  <a:solidFill>
+                    <a:schemeClr val="tx1"/>
+                  </a:solidFill>
+                  <a:latin typeface="Arial" panose="020B0604020202020204" pitchFamily="34" charset="0"/>
+                </a:defRPr>
+              </a:lvl9pPr>
+            </a:lstStyle>
+            <a:p>
+              <a:pPr eaLnBrk="1" hangingPunct="1">
+                <a:spcBef>
+                  <a:spcPct val="0"/>
+                </a:spcBef>
+                <a:buFontTx/>
+                <a:buNone/>
+              </a:pPr>
+              <a:endParaRPr lang="en-GB" altLang="en-US" sz="6600"/>
+            </a:p>
+          </p:txBody>
+        </p:sp>
+        <p:sp>
+          <p:nvSpPr>
+            <p:cNvPr id="63" name="Text Box 44">
+              <a:extLst>
+                <a:ext uri="{FF2B5EF4-FFF2-40B4-BE49-F238E27FC236}">
+                  <a16:creationId xmlns:a16="http://schemas.microsoft.com/office/drawing/2014/main" id="{8ADB3611-9357-4BE9-A9B6-1E05332DE889}"/>
+                </a:ext>
+              </a:extLst>
+            </p:cNvPr>
+            <p:cNvSpPr txBox="1">
+              <a:spLocks noChangeArrowheads="1"/>
+            </p:cNvSpPr>
+            <p:nvPr/>
+          </p:nvSpPr>
+          <p:spPr bwMode="auto">
+            <a:xfrm>
+              <a:off x="17789526" y="29481462"/>
+              <a:ext cx="7151747" cy="974479"/>
+            </a:xfrm>
+            <a:prstGeom prst="rect">
+              <a:avLst/>
+            </a:prstGeom>
+            <a:noFill/>
+            <a:ln>
+              <a:noFill/>
+            </a:ln>
+            <a:extLst>
+              <a:ext uri="{909E8E84-426E-40DD-AFC4-6F175D3DCCD1}">
+                <a14:hiddenFill xmlns:a14="http://schemas.microsoft.com/office/drawing/2010/main">
+                  <a:solidFill>
+                    <a:srgbClr val="FFFFFF"/>
+                  </a:solidFill>
+                </a14:hiddenFill>
+              </a:ext>
+              <a:ext uri="{91240B29-F687-4F45-9708-019B960494DF}">
+                <a14:hiddenLine xmlns:a14="http://schemas.microsoft.com/office/drawing/2010/main" w="9525">
+                  <a:solidFill>
+                    <a:srgbClr val="000000"/>
+                  </a:solidFill>
+                  <a:miter lim="800000"/>
+                  <a:headEnd/>
+                  <a:tailEnd/>
+                </a14:hiddenLine>
+              </a:ext>
+            </a:extLst>
+          </p:spPr>
+          <p:txBody>
+            <a:bodyPr wrap="none">
+              <a:spAutoFit/>
+            </a:bodyPr>
+            <a:lstStyle>
+              <a:lvl1pPr defTabSz="4173538">
+                <a:spcBef>
+                  <a:spcPct val="20000"/>
+                </a:spcBef>
+                <a:buChar char="•"/>
+                <a:defRPr sz="14600">
+                  <a:solidFill>
+                    <a:schemeClr val="tx1"/>
+                  </a:solidFill>
+                  <a:latin typeface="Arial" panose="020B0604020202020204" pitchFamily="34" charset="0"/>
+                </a:defRPr>
+              </a:lvl1pPr>
+              <a:lvl2pPr marL="742950" indent="-285750" defTabSz="4173538">
+                <a:spcBef>
+                  <a:spcPct val="20000"/>
+                </a:spcBef>
+                <a:buChar char="–"/>
+                <a:defRPr sz="12800">
+                  <a:solidFill>
+                    <a:schemeClr val="tx1"/>
+                  </a:solidFill>
+                  <a:latin typeface="Arial" panose="020B0604020202020204" pitchFamily="34" charset="0"/>
+                </a:defRPr>
+              </a:lvl2pPr>
+              <a:lvl3pPr marL="1143000" indent="-228600" defTabSz="4173538">
+                <a:spcBef>
+                  <a:spcPct val="20000"/>
+                </a:spcBef>
+                <a:buChar char="•"/>
+                <a:defRPr sz="11000">
+                  <a:solidFill>
+                    <a:schemeClr val="tx1"/>
+                  </a:solidFill>
+                  <a:latin typeface="Arial" panose="020B0604020202020204" pitchFamily="34" charset="0"/>
+                </a:defRPr>
+              </a:lvl3pPr>
+              <a:lvl4pPr marL="1600200" indent="-228600" defTabSz="4173538">
+                <a:spcBef>
+                  <a:spcPct val="20000"/>
+                </a:spcBef>
+                <a:buChar char="–"/>
+                <a:defRPr sz="9100">
+                  <a:solidFill>
+                    <a:schemeClr val="tx1"/>
+                  </a:solidFill>
+                  <a:latin typeface="Arial" panose="020B0604020202020204" pitchFamily="34" charset="0"/>
+                </a:defRPr>
+              </a:lvl4pPr>
+              <a:lvl5pPr marL="2057400" indent="-228600" defTabSz="4173538">
+                <a:spcBef>
+                  <a:spcPct val="20000"/>
+                </a:spcBef>
+                <a:buChar char="»"/>
+                <a:defRPr sz="9100">
+                  <a:solidFill>
+                    <a:schemeClr val="tx1"/>
+                  </a:solidFill>
+                  <a:latin typeface="Arial" panose="020B0604020202020204" pitchFamily="34" charset="0"/>
+                </a:defRPr>
+              </a:lvl5pPr>
+              <a:lvl6pPr marL="2514600" indent="-228600" defTabSz="4173538" eaLnBrk="0" fontAlgn="base" hangingPunct="0">
+                <a:spcBef>
+                  <a:spcPct val="20000"/>
+                </a:spcBef>
+                <a:spcAft>
+                  <a:spcPct val="0"/>
+                </a:spcAft>
+                <a:buChar char="»"/>
+                <a:defRPr sz="9100">
+                  <a:solidFill>
+                    <a:schemeClr val="tx1"/>
+                  </a:solidFill>
+                  <a:latin typeface="Arial" panose="020B0604020202020204" pitchFamily="34" charset="0"/>
+                </a:defRPr>
+              </a:lvl6pPr>
+              <a:lvl7pPr marL="2971800" indent="-228600" defTabSz="4173538" eaLnBrk="0" fontAlgn="base" hangingPunct="0">
+                <a:spcBef>
+                  <a:spcPct val="20000"/>
+                </a:spcBef>
+                <a:spcAft>
+                  <a:spcPct val="0"/>
+                </a:spcAft>
+                <a:buChar char="»"/>
+                <a:defRPr sz="9100">
+                  <a:solidFill>
+                    <a:schemeClr val="tx1"/>
+                  </a:solidFill>
+                  <a:latin typeface="Arial" panose="020B0604020202020204" pitchFamily="34" charset="0"/>
+                </a:defRPr>
+              </a:lvl7pPr>
+              <a:lvl8pPr marL="3429000" indent="-228600" defTabSz="4173538" eaLnBrk="0" fontAlgn="base" hangingPunct="0">
+                <a:spcBef>
+                  <a:spcPct val="20000"/>
+                </a:spcBef>
+                <a:spcAft>
+                  <a:spcPct val="0"/>
+                </a:spcAft>
+                <a:buChar char="»"/>
+                <a:defRPr sz="9100">
+                  <a:solidFill>
+                    <a:schemeClr val="tx1"/>
+                  </a:solidFill>
+                  <a:latin typeface="Arial" panose="020B0604020202020204" pitchFamily="34" charset="0"/>
+                </a:defRPr>
+              </a:lvl8pPr>
+              <a:lvl9pPr marL="3886200" indent="-228600" defTabSz="4173538" eaLnBrk="0" fontAlgn="base" hangingPunct="0">
+                <a:spcBef>
+                  <a:spcPct val="20000"/>
+                </a:spcBef>
+                <a:spcAft>
+                  <a:spcPct val="0"/>
+                </a:spcAft>
+                <a:buChar char="»"/>
+                <a:defRPr sz="9100">
+                  <a:solidFill>
+                    <a:schemeClr val="tx1"/>
+                  </a:solidFill>
+                  <a:latin typeface="Arial" panose="020B0604020202020204" pitchFamily="34" charset="0"/>
+                </a:defRPr>
+              </a:lvl9pPr>
+            </a:lstStyle>
+            <a:p>
+              <a:pPr eaLnBrk="1" hangingPunct="1">
+                <a:spcBef>
+                  <a:spcPct val="0"/>
+                </a:spcBef>
+                <a:buFontTx/>
+                <a:buNone/>
+              </a:pPr>
+              <a:r>
+                <a:rPr lang="en-GB" altLang="en-US" sz="4400" dirty="0"/>
+                <a:t>Root locus</a:t>
+              </a:r>
+            </a:p>
+          </p:txBody>
+        </p:sp>
+        <p:sp>
+          <p:nvSpPr>
+            <p:cNvPr id="64" name="Rectangle 60">
+              <a:extLst>
+                <a:ext uri="{FF2B5EF4-FFF2-40B4-BE49-F238E27FC236}">
+                  <a16:creationId xmlns:a16="http://schemas.microsoft.com/office/drawing/2014/main" id="{18D87866-B06E-4E80-BA97-22BFA5A0AAF1}"/>
+                </a:ext>
+              </a:extLst>
+            </p:cNvPr>
+            <p:cNvSpPr>
+              <a:spLocks noChangeArrowheads="1"/>
+            </p:cNvSpPr>
+            <p:nvPr/>
+          </p:nvSpPr>
+          <p:spPr bwMode="auto">
+            <a:xfrm>
+              <a:off x="15946437" y="31038503"/>
+              <a:ext cx="13868400" cy="584688"/>
+            </a:xfrm>
+            <a:prstGeom prst="rect">
+              <a:avLst/>
+            </a:prstGeom>
+            <a:noFill/>
+            <a:ln>
+              <a:noFill/>
+            </a:ln>
+            <a:extLst>
+              <a:ext uri="{909E8E84-426E-40DD-AFC4-6F175D3DCCD1}">
+                <a14:hiddenFill xmlns:a14="http://schemas.microsoft.com/office/drawing/2010/main">
+                  <a:solidFill>
+                    <a:srgbClr val="FFFFFF"/>
+                  </a:solidFill>
+                </a14:hiddenFill>
+              </a:ext>
+              <a:ext uri="{91240B29-F687-4F45-9708-019B960494DF}">
+                <a14:hiddenLine xmlns:a14="http://schemas.microsoft.com/office/drawing/2010/main" w="9525">
+                  <a:solidFill>
+                    <a:srgbClr val="000000"/>
+                  </a:solidFill>
+                  <a:miter lim="800000"/>
+                  <a:headEnd/>
+                  <a:tailEnd/>
+                </a14:hiddenLine>
+              </a:ext>
+            </a:extLst>
+          </p:spPr>
+          <p:txBody>
+            <a:bodyPr>
+              <a:spAutoFit/>
+            </a:bodyPr>
+            <a:lstStyle>
+              <a:lvl1pPr marL="342900" indent="-342900" defTabSz="4173538">
+                <a:spcBef>
+                  <a:spcPct val="20000"/>
+                </a:spcBef>
+                <a:buChar char="•"/>
+                <a:defRPr sz="14600">
+                  <a:solidFill>
+                    <a:schemeClr val="tx1"/>
+                  </a:solidFill>
+                  <a:latin typeface="Arial" panose="020B0604020202020204" pitchFamily="34" charset="0"/>
+                </a:defRPr>
+              </a:lvl1pPr>
+              <a:lvl2pPr marL="742950" indent="-285750" defTabSz="4173538">
+                <a:spcBef>
+                  <a:spcPct val="20000"/>
+                </a:spcBef>
+                <a:buChar char="–"/>
+                <a:defRPr sz="12800">
+                  <a:solidFill>
+                    <a:schemeClr val="tx1"/>
+                  </a:solidFill>
+                  <a:latin typeface="Arial" panose="020B0604020202020204" pitchFamily="34" charset="0"/>
+                </a:defRPr>
+              </a:lvl2pPr>
+              <a:lvl3pPr marL="1143000" indent="-228600" defTabSz="4173538">
+                <a:spcBef>
+                  <a:spcPct val="20000"/>
+                </a:spcBef>
+                <a:buChar char="•"/>
+                <a:defRPr sz="11000">
+                  <a:solidFill>
+                    <a:schemeClr val="tx1"/>
+                  </a:solidFill>
+                  <a:latin typeface="Arial" panose="020B0604020202020204" pitchFamily="34" charset="0"/>
+                </a:defRPr>
+              </a:lvl3pPr>
+              <a:lvl4pPr marL="1600200" indent="-228600" defTabSz="4173538">
+                <a:spcBef>
+                  <a:spcPct val="20000"/>
+                </a:spcBef>
+                <a:buChar char="–"/>
+                <a:defRPr sz="9100">
+                  <a:solidFill>
+                    <a:schemeClr val="tx1"/>
+                  </a:solidFill>
+                  <a:latin typeface="Arial" panose="020B0604020202020204" pitchFamily="34" charset="0"/>
+                </a:defRPr>
+              </a:lvl4pPr>
+              <a:lvl5pPr marL="2057400" indent="-228600" defTabSz="4173538">
+                <a:spcBef>
+                  <a:spcPct val="20000"/>
+                </a:spcBef>
+                <a:buChar char="»"/>
+                <a:defRPr sz="9100">
+                  <a:solidFill>
+                    <a:schemeClr val="tx1"/>
+                  </a:solidFill>
+                  <a:latin typeface="Arial" panose="020B0604020202020204" pitchFamily="34" charset="0"/>
+                </a:defRPr>
+              </a:lvl5pPr>
+              <a:lvl6pPr marL="2514600" indent="-228600" defTabSz="4173538" eaLnBrk="0" fontAlgn="base" hangingPunct="0">
+                <a:spcBef>
+                  <a:spcPct val="20000"/>
+                </a:spcBef>
+                <a:spcAft>
+                  <a:spcPct val="0"/>
+                </a:spcAft>
+                <a:buChar char="»"/>
+                <a:defRPr sz="9100">
+                  <a:solidFill>
+                    <a:schemeClr val="tx1"/>
+                  </a:solidFill>
+                  <a:latin typeface="Arial" panose="020B0604020202020204" pitchFamily="34" charset="0"/>
+                </a:defRPr>
+              </a:lvl6pPr>
+              <a:lvl7pPr marL="2971800" indent="-228600" defTabSz="4173538" eaLnBrk="0" fontAlgn="base" hangingPunct="0">
+                <a:spcBef>
+                  <a:spcPct val="20000"/>
+                </a:spcBef>
+                <a:spcAft>
+                  <a:spcPct val="0"/>
+                </a:spcAft>
+                <a:buChar char="»"/>
+                <a:defRPr sz="9100">
+                  <a:solidFill>
+                    <a:schemeClr val="tx1"/>
+                  </a:solidFill>
+                  <a:latin typeface="Arial" panose="020B0604020202020204" pitchFamily="34" charset="0"/>
+                </a:defRPr>
+              </a:lvl7pPr>
+              <a:lvl8pPr marL="3429000" indent="-228600" defTabSz="4173538" eaLnBrk="0" fontAlgn="base" hangingPunct="0">
+                <a:spcBef>
+                  <a:spcPct val="20000"/>
+                </a:spcBef>
+                <a:spcAft>
+                  <a:spcPct val="0"/>
+                </a:spcAft>
+                <a:buChar char="»"/>
+                <a:defRPr sz="9100">
+                  <a:solidFill>
+                    <a:schemeClr val="tx1"/>
+                  </a:solidFill>
+                  <a:latin typeface="Arial" panose="020B0604020202020204" pitchFamily="34" charset="0"/>
+                </a:defRPr>
+              </a:lvl8pPr>
+              <a:lvl9pPr marL="3886200" indent="-228600" defTabSz="4173538" eaLnBrk="0" fontAlgn="base" hangingPunct="0">
+                <a:spcBef>
+                  <a:spcPct val="20000"/>
+                </a:spcBef>
+                <a:spcAft>
+                  <a:spcPct val="0"/>
+                </a:spcAft>
+                <a:buChar char="»"/>
+                <a:defRPr sz="9100">
+                  <a:solidFill>
+                    <a:schemeClr val="tx1"/>
+                  </a:solidFill>
+                  <a:latin typeface="Arial" panose="020B0604020202020204" pitchFamily="34" charset="0"/>
+                </a:defRPr>
+              </a:lvl9pPr>
+            </a:lstStyle>
+            <a:p>
+              <a:pPr eaLnBrk="1" hangingPunct="1">
+                <a:spcBef>
+                  <a:spcPct val="0"/>
+                </a:spcBef>
+                <a:buFontTx/>
+                <a:buNone/>
+              </a:pPr>
+              <a:r>
+                <a:rPr lang="en-GB" altLang="en-US" sz="2400" dirty="0"/>
+                <a:t>Here goes text</a:t>
+              </a:r>
+            </a:p>
+          </p:txBody>
+        </p:sp>
+      </p:grpSp>
+      <p:grpSp>
+        <p:nvGrpSpPr>
+          <p:cNvPr id="65" name="Group 49">
+            <a:extLst>
+              <a:ext uri="{FF2B5EF4-FFF2-40B4-BE49-F238E27FC236}">
+                <a16:creationId xmlns:a16="http://schemas.microsoft.com/office/drawing/2014/main" id="{E26B9032-8DE9-4B00-8B22-B204015AA3FE}"/>
+              </a:ext>
+            </a:extLst>
+          </p:cNvPr>
+          <p:cNvGrpSpPr>
+            <a:grpSpLocks/>
+          </p:cNvGrpSpPr>
+          <p:nvPr/>
+        </p:nvGrpSpPr>
+        <p:grpSpPr bwMode="auto">
+          <a:xfrm>
+            <a:off x="2133184" y="15064036"/>
+            <a:ext cx="5005771" cy="3327962"/>
+            <a:chOff x="15579725" y="29481462"/>
+            <a:chExt cx="14554200" cy="8610601"/>
+          </a:xfrm>
+        </p:grpSpPr>
+        <p:sp>
+          <p:nvSpPr>
+            <p:cNvPr id="66" name="AutoShape 37">
+              <a:extLst>
+                <a:ext uri="{FF2B5EF4-FFF2-40B4-BE49-F238E27FC236}">
+                  <a16:creationId xmlns:a16="http://schemas.microsoft.com/office/drawing/2014/main" id="{1D7F5911-429E-43EF-9B64-117D0D2D1CF1}"/>
+                </a:ext>
+              </a:extLst>
+            </p:cNvPr>
+            <p:cNvSpPr>
+              <a:spLocks noChangeArrowheads="1"/>
+            </p:cNvSpPr>
+            <p:nvPr/>
+          </p:nvSpPr>
+          <p:spPr bwMode="auto">
+            <a:xfrm>
+              <a:off x="15579725" y="29481463"/>
+              <a:ext cx="14554200" cy="8610600"/>
+            </a:xfrm>
+            <a:prstGeom prst="roundRect">
+              <a:avLst>
+                <a:gd name="adj" fmla="val 3875"/>
+              </a:avLst>
+            </a:prstGeom>
+            <a:solidFill>
+              <a:schemeClr val="bg1"/>
+            </a:solidFill>
+            <a:ln w="76200">
+              <a:solidFill>
+                <a:schemeClr val="tx1"/>
+              </a:solidFill>
+              <a:round/>
+              <a:headEnd/>
+              <a:tailEnd/>
+            </a:ln>
+          </p:spPr>
+          <p:txBody>
+            <a:bodyPr wrap="none" anchor="ctr"/>
+            <a:lstStyle>
+              <a:lvl1pPr>
+                <a:spcBef>
+                  <a:spcPct val="20000"/>
+                </a:spcBef>
+                <a:buChar char="•"/>
+                <a:defRPr sz="14600">
+                  <a:solidFill>
+                    <a:schemeClr val="tx1"/>
+                  </a:solidFill>
+                  <a:latin typeface="Arial" panose="020B0604020202020204" pitchFamily="34" charset="0"/>
+                </a:defRPr>
+              </a:lvl1pPr>
+              <a:lvl2pPr marL="742950" indent="-285750">
+                <a:spcBef>
+                  <a:spcPct val="20000"/>
+                </a:spcBef>
+                <a:buChar char="–"/>
+                <a:defRPr sz="12800">
+                  <a:solidFill>
+                    <a:schemeClr val="tx1"/>
+                  </a:solidFill>
+                  <a:latin typeface="Arial" panose="020B0604020202020204" pitchFamily="34" charset="0"/>
+                </a:defRPr>
+              </a:lvl2pPr>
+              <a:lvl3pPr marL="1143000" indent="-228600">
+                <a:spcBef>
+                  <a:spcPct val="20000"/>
+                </a:spcBef>
+                <a:buChar char="•"/>
+                <a:defRPr sz="11000">
+                  <a:solidFill>
+                    <a:schemeClr val="tx1"/>
+                  </a:solidFill>
+                  <a:latin typeface="Arial" panose="020B0604020202020204" pitchFamily="34" charset="0"/>
+                </a:defRPr>
+              </a:lvl3pPr>
+              <a:lvl4pPr marL="1600200" indent="-228600">
+                <a:spcBef>
+                  <a:spcPct val="20000"/>
+                </a:spcBef>
+                <a:buChar char="–"/>
+                <a:defRPr sz="9100">
+                  <a:solidFill>
+                    <a:schemeClr val="tx1"/>
+                  </a:solidFill>
+                  <a:latin typeface="Arial" panose="020B0604020202020204" pitchFamily="34" charset="0"/>
+                </a:defRPr>
+              </a:lvl4pPr>
+              <a:lvl5pPr marL="2057400" indent="-228600">
+                <a:spcBef>
+                  <a:spcPct val="20000"/>
+                </a:spcBef>
+                <a:buChar char="»"/>
+                <a:defRPr sz="9100">
+                  <a:solidFill>
+                    <a:schemeClr val="tx1"/>
+                  </a:solidFill>
+                  <a:latin typeface="Arial" panose="020B0604020202020204" pitchFamily="34" charset="0"/>
+                </a:defRPr>
+              </a:lvl5pPr>
+              <a:lvl6pPr marL="2514600" indent="-228600" eaLnBrk="0" fontAlgn="base" hangingPunct="0">
+                <a:spcBef>
+                  <a:spcPct val="20000"/>
+                </a:spcBef>
+                <a:spcAft>
+                  <a:spcPct val="0"/>
+                </a:spcAft>
+                <a:buChar char="»"/>
+                <a:defRPr sz="9100">
+                  <a:solidFill>
+                    <a:schemeClr val="tx1"/>
+                  </a:solidFill>
+                  <a:latin typeface="Arial" panose="020B0604020202020204" pitchFamily="34" charset="0"/>
+                </a:defRPr>
+              </a:lvl6pPr>
+              <a:lvl7pPr marL="2971800" indent="-228600" eaLnBrk="0" fontAlgn="base" hangingPunct="0">
+                <a:spcBef>
+                  <a:spcPct val="20000"/>
+                </a:spcBef>
+                <a:spcAft>
+                  <a:spcPct val="0"/>
+                </a:spcAft>
+                <a:buChar char="»"/>
+                <a:defRPr sz="9100">
+                  <a:solidFill>
+                    <a:schemeClr val="tx1"/>
+                  </a:solidFill>
+                  <a:latin typeface="Arial" panose="020B0604020202020204" pitchFamily="34" charset="0"/>
+                </a:defRPr>
+              </a:lvl7pPr>
+              <a:lvl8pPr marL="3429000" indent="-228600" eaLnBrk="0" fontAlgn="base" hangingPunct="0">
+                <a:spcBef>
+                  <a:spcPct val="20000"/>
+                </a:spcBef>
+                <a:spcAft>
+                  <a:spcPct val="0"/>
+                </a:spcAft>
+                <a:buChar char="»"/>
+                <a:defRPr sz="9100">
+                  <a:solidFill>
+                    <a:schemeClr val="tx1"/>
+                  </a:solidFill>
+                  <a:latin typeface="Arial" panose="020B0604020202020204" pitchFamily="34" charset="0"/>
+                </a:defRPr>
+              </a:lvl8pPr>
+              <a:lvl9pPr marL="3886200" indent="-228600" eaLnBrk="0" fontAlgn="base" hangingPunct="0">
+                <a:spcBef>
+                  <a:spcPct val="20000"/>
+                </a:spcBef>
+                <a:spcAft>
+                  <a:spcPct val="0"/>
+                </a:spcAft>
+                <a:buChar char="»"/>
+                <a:defRPr sz="9100">
+                  <a:solidFill>
+                    <a:schemeClr val="tx1"/>
+                  </a:solidFill>
+                  <a:latin typeface="Arial" panose="020B0604020202020204" pitchFamily="34" charset="0"/>
+                </a:defRPr>
+              </a:lvl9pPr>
+            </a:lstStyle>
+            <a:p>
+              <a:pPr eaLnBrk="1" hangingPunct="1">
+                <a:spcBef>
+                  <a:spcPct val="0"/>
+                </a:spcBef>
+                <a:buFontTx/>
+                <a:buNone/>
+              </a:pPr>
+              <a:endParaRPr lang="en-GB" altLang="en-US" sz="6600" dirty="0"/>
+            </a:p>
+          </p:txBody>
+        </p:sp>
+        <p:sp>
+          <p:nvSpPr>
+            <p:cNvPr id="67" name="Text Box 44">
+              <a:extLst>
+                <a:ext uri="{FF2B5EF4-FFF2-40B4-BE49-F238E27FC236}">
+                  <a16:creationId xmlns:a16="http://schemas.microsoft.com/office/drawing/2014/main" id="{2593E18D-42AD-4C8E-B698-210E3C7F7234}"/>
+                </a:ext>
+              </a:extLst>
+            </p:cNvPr>
+            <p:cNvSpPr txBox="1">
+              <a:spLocks noChangeArrowheads="1"/>
+            </p:cNvSpPr>
+            <p:nvPr/>
+          </p:nvSpPr>
+          <p:spPr bwMode="auto">
+            <a:xfrm>
+              <a:off x="17789526" y="29481462"/>
+              <a:ext cx="9657915" cy="1990813"/>
+            </a:xfrm>
+            <a:prstGeom prst="rect">
+              <a:avLst/>
+            </a:prstGeom>
+            <a:noFill/>
+            <a:ln>
+              <a:noFill/>
+            </a:ln>
+            <a:extLst>
+              <a:ext uri="{909E8E84-426E-40DD-AFC4-6F175D3DCCD1}">
+                <a14:hiddenFill xmlns:a14="http://schemas.microsoft.com/office/drawing/2010/main">
+                  <a:solidFill>
+                    <a:srgbClr val="FFFFFF"/>
+                  </a:solidFill>
+                </a14:hiddenFill>
+              </a:ext>
+              <a:ext uri="{91240B29-F687-4F45-9708-019B960494DF}">
+                <a14:hiddenLine xmlns:a14="http://schemas.microsoft.com/office/drawing/2010/main" w="9525">
+                  <a:solidFill>
+                    <a:srgbClr val="000000"/>
+                  </a:solidFill>
+                  <a:miter lim="800000"/>
+                  <a:headEnd/>
+                  <a:tailEnd/>
+                </a14:hiddenLine>
+              </a:ext>
+            </a:extLst>
+          </p:spPr>
+          <p:txBody>
+            <a:bodyPr wrap="none">
+              <a:spAutoFit/>
+            </a:bodyPr>
+            <a:lstStyle>
+              <a:lvl1pPr defTabSz="4173538">
+                <a:spcBef>
+                  <a:spcPct val="20000"/>
+                </a:spcBef>
+                <a:buChar char="•"/>
+                <a:defRPr sz="14600">
+                  <a:solidFill>
+                    <a:schemeClr val="tx1"/>
+                  </a:solidFill>
+                  <a:latin typeface="Arial" panose="020B0604020202020204" pitchFamily="34" charset="0"/>
+                </a:defRPr>
+              </a:lvl1pPr>
+              <a:lvl2pPr marL="742950" indent="-285750" defTabSz="4173538">
+                <a:spcBef>
+                  <a:spcPct val="20000"/>
+                </a:spcBef>
+                <a:buChar char="–"/>
+                <a:defRPr sz="12800">
+                  <a:solidFill>
+                    <a:schemeClr val="tx1"/>
+                  </a:solidFill>
+                  <a:latin typeface="Arial" panose="020B0604020202020204" pitchFamily="34" charset="0"/>
+                </a:defRPr>
+              </a:lvl2pPr>
+              <a:lvl3pPr marL="1143000" indent="-228600" defTabSz="4173538">
+                <a:spcBef>
+                  <a:spcPct val="20000"/>
+                </a:spcBef>
+                <a:buChar char="•"/>
+                <a:defRPr sz="11000">
+                  <a:solidFill>
+                    <a:schemeClr val="tx1"/>
+                  </a:solidFill>
+                  <a:latin typeface="Arial" panose="020B0604020202020204" pitchFamily="34" charset="0"/>
+                </a:defRPr>
+              </a:lvl3pPr>
+              <a:lvl4pPr marL="1600200" indent="-228600" defTabSz="4173538">
+                <a:spcBef>
+                  <a:spcPct val="20000"/>
+                </a:spcBef>
+                <a:buChar char="–"/>
+                <a:defRPr sz="9100">
+                  <a:solidFill>
+                    <a:schemeClr val="tx1"/>
+                  </a:solidFill>
+                  <a:latin typeface="Arial" panose="020B0604020202020204" pitchFamily="34" charset="0"/>
+                </a:defRPr>
+              </a:lvl4pPr>
+              <a:lvl5pPr marL="2057400" indent="-228600" defTabSz="4173538">
+                <a:spcBef>
+                  <a:spcPct val="20000"/>
+                </a:spcBef>
+                <a:buChar char="»"/>
+                <a:defRPr sz="9100">
+                  <a:solidFill>
+                    <a:schemeClr val="tx1"/>
+                  </a:solidFill>
+                  <a:latin typeface="Arial" panose="020B0604020202020204" pitchFamily="34" charset="0"/>
+                </a:defRPr>
+              </a:lvl5pPr>
+              <a:lvl6pPr marL="2514600" indent="-228600" defTabSz="4173538" eaLnBrk="0" fontAlgn="base" hangingPunct="0">
+                <a:spcBef>
+                  <a:spcPct val="20000"/>
+                </a:spcBef>
+                <a:spcAft>
+                  <a:spcPct val="0"/>
+                </a:spcAft>
+                <a:buChar char="»"/>
+                <a:defRPr sz="9100">
+                  <a:solidFill>
+                    <a:schemeClr val="tx1"/>
+                  </a:solidFill>
+                  <a:latin typeface="Arial" panose="020B0604020202020204" pitchFamily="34" charset="0"/>
+                </a:defRPr>
+              </a:lvl6pPr>
+              <a:lvl7pPr marL="2971800" indent="-228600" defTabSz="4173538" eaLnBrk="0" fontAlgn="base" hangingPunct="0">
+                <a:spcBef>
+                  <a:spcPct val="20000"/>
+                </a:spcBef>
+                <a:spcAft>
+                  <a:spcPct val="0"/>
+                </a:spcAft>
+                <a:buChar char="»"/>
+                <a:defRPr sz="9100">
+                  <a:solidFill>
+                    <a:schemeClr val="tx1"/>
+                  </a:solidFill>
+                  <a:latin typeface="Arial" panose="020B0604020202020204" pitchFamily="34" charset="0"/>
+                </a:defRPr>
+              </a:lvl7pPr>
+              <a:lvl8pPr marL="3429000" indent="-228600" defTabSz="4173538" eaLnBrk="0" fontAlgn="base" hangingPunct="0">
+                <a:spcBef>
+                  <a:spcPct val="20000"/>
+                </a:spcBef>
+                <a:spcAft>
+                  <a:spcPct val="0"/>
+                </a:spcAft>
+                <a:buChar char="»"/>
+                <a:defRPr sz="9100">
+                  <a:solidFill>
+                    <a:schemeClr val="tx1"/>
+                  </a:solidFill>
+                  <a:latin typeface="Arial" panose="020B0604020202020204" pitchFamily="34" charset="0"/>
+                </a:defRPr>
+              </a:lvl8pPr>
+              <a:lvl9pPr marL="3886200" indent="-228600" defTabSz="4173538" eaLnBrk="0" fontAlgn="base" hangingPunct="0">
+                <a:spcBef>
+                  <a:spcPct val="20000"/>
+                </a:spcBef>
+                <a:spcAft>
+                  <a:spcPct val="0"/>
+                </a:spcAft>
+                <a:buChar char="»"/>
+                <a:defRPr sz="9100">
+                  <a:solidFill>
+                    <a:schemeClr val="tx1"/>
+                  </a:solidFill>
+                  <a:latin typeface="Arial" panose="020B0604020202020204" pitchFamily="34" charset="0"/>
+                </a:defRPr>
+              </a:lvl9pPr>
+            </a:lstStyle>
+            <a:p>
+              <a:pPr eaLnBrk="1" hangingPunct="1">
+                <a:spcBef>
+                  <a:spcPct val="0"/>
+                </a:spcBef>
+                <a:buFontTx/>
+                <a:buNone/>
+              </a:pPr>
+              <a:r>
+                <a:rPr lang="en-GB" altLang="en-US" sz="4400" dirty="0"/>
+                <a:t>Kalman filter</a:t>
+              </a:r>
+            </a:p>
+          </p:txBody>
+        </p:sp>
+        <p:sp>
+          <p:nvSpPr>
+            <p:cNvPr id="68" name="Rectangle 60">
+              <a:extLst>
+                <a:ext uri="{FF2B5EF4-FFF2-40B4-BE49-F238E27FC236}">
+                  <a16:creationId xmlns:a16="http://schemas.microsoft.com/office/drawing/2014/main" id="{667A6F8D-BC59-413F-A42D-F514E2FDE092}"/>
+                </a:ext>
+              </a:extLst>
+            </p:cNvPr>
+            <p:cNvSpPr>
+              <a:spLocks noChangeArrowheads="1"/>
+            </p:cNvSpPr>
+            <p:nvPr/>
+          </p:nvSpPr>
+          <p:spPr bwMode="auto">
+            <a:xfrm>
+              <a:off x="15946437" y="31038503"/>
+              <a:ext cx="13868400" cy="1194489"/>
+            </a:xfrm>
+            <a:prstGeom prst="rect">
+              <a:avLst/>
+            </a:prstGeom>
+            <a:noFill/>
+            <a:ln>
+              <a:noFill/>
+            </a:ln>
+            <a:extLst>
+              <a:ext uri="{909E8E84-426E-40DD-AFC4-6F175D3DCCD1}">
+                <a14:hiddenFill xmlns:a14="http://schemas.microsoft.com/office/drawing/2010/main">
+                  <a:solidFill>
+                    <a:srgbClr val="FFFFFF"/>
+                  </a:solidFill>
+                </a14:hiddenFill>
+              </a:ext>
+              <a:ext uri="{91240B29-F687-4F45-9708-019B960494DF}">
+                <a14:hiddenLine xmlns:a14="http://schemas.microsoft.com/office/drawing/2010/main" w="9525">
+                  <a:solidFill>
+                    <a:srgbClr val="000000"/>
+                  </a:solidFill>
+                  <a:miter lim="800000"/>
+                  <a:headEnd/>
+                  <a:tailEnd/>
+                </a14:hiddenLine>
+              </a:ext>
+            </a:extLst>
+          </p:spPr>
+          <p:txBody>
+            <a:bodyPr>
+              <a:spAutoFit/>
+            </a:bodyPr>
+            <a:lstStyle>
+              <a:lvl1pPr marL="342900" indent="-342900" defTabSz="4173538">
+                <a:spcBef>
+                  <a:spcPct val="20000"/>
+                </a:spcBef>
+                <a:buChar char="•"/>
+                <a:defRPr sz="14600">
+                  <a:solidFill>
+                    <a:schemeClr val="tx1"/>
+                  </a:solidFill>
+                  <a:latin typeface="Arial" panose="020B0604020202020204" pitchFamily="34" charset="0"/>
+                </a:defRPr>
+              </a:lvl1pPr>
+              <a:lvl2pPr marL="742950" indent="-285750" defTabSz="4173538">
+                <a:spcBef>
+                  <a:spcPct val="20000"/>
+                </a:spcBef>
+                <a:buChar char="–"/>
+                <a:defRPr sz="12800">
+                  <a:solidFill>
+                    <a:schemeClr val="tx1"/>
+                  </a:solidFill>
+                  <a:latin typeface="Arial" panose="020B0604020202020204" pitchFamily="34" charset="0"/>
+                </a:defRPr>
+              </a:lvl2pPr>
+              <a:lvl3pPr marL="1143000" indent="-228600" defTabSz="4173538">
+                <a:spcBef>
+                  <a:spcPct val="20000"/>
+                </a:spcBef>
+                <a:buChar char="•"/>
+                <a:defRPr sz="11000">
+                  <a:solidFill>
+                    <a:schemeClr val="tx1"/>
+                  </a:solidFill>
+                  <a:latin typeface="Arial" panose="020B0604020202020204" pitchFamily="34" charset="0"/>
+                </a:defRPr>
+              </a:lvl3pPr>
+              <a:lvl4pPr marL="1600200" indent="-228600" defTabSz="4173538">
+                <a:spcBef>
+                  <a:spcPct val="20000"/>
+                </a:spcBef>
+                <a:buChar char="–"/>
+                <a:defRPr sz="9100">
+                  <a:solidFill>
+                    <a:schemeClr val="tx1"/>
+                  </a:solidFill>
+                  <a:latin typeface="Arial" panose="020B0604020202020204" pitchFamily="34" charset="0"/>
+                </a:defRPr>
+              </a:lvl4pPr>
+              <a:lvl5pPr marL="2057400" indent="-228600" defTabSz="4173538">
+                <a:spcBef>
+                  <a:spcPct val="20000"/>
+                </a:spcBef>
+                <a:buChar char="»"/>
+                <a:defRPr sz="9100">
+                  <a:solidFill>
+                    <a:schemeClr val="tx1"/>
+                  </a:solidFill>
+                  <a:latin typeface="Arial" panose="020B0604020202020204" pitchFamily="34" charset="0"/>
+                </a:defRPr>
+              </a:lvl5pPr>
+              <a:lvl6pPr marL="2514600" indent="-228600" defTabSz="4173538" eaLnBrk="0" fontAlgn="base" hangingPunct="0">
+                <a:spcBef>
+                  <a:spcPct val="20000"/>
+                </a:spcBef>
+                <a:spcAft>
+                  <a:spcPct val="0"/>
+                </a:spcAft>
+                <a:buChar char="»"/>
+                <a:defRPr sz="9100">
+                  <a:solidFill>
+                    <a:schemeClr val="tx1"/>
+                  </a:solidFill>
+                  <a:latin typeface="Arial" panose="020B0604020202020204" pitchFamily="34" charset="0"/>
+                </a:defRPr>
+              </a:lvl6pPr>
+              <a:lvl7pPr marL="2971800" indent="-228600" defTabSz="4173538" eaLnBrk="0" fontAlgn="base" hangingPunct="0">
+                <a:spcBef>
+                  <a:spcPct val="20000"/>
+                </a:spcBef>
+                <a:spcAft>
+                  <a:spcPct val="0"/>
+                </a:spcAft>
+                <a:buChar char="»"/>
+                <a:defRPr sz="9100">
+                  <a:solidFill>
+                    <a:schemeClr val="tx1"/>
+                  </a:solidFill>
+                  <a:latin typeface="Arial" panose="020B0604020202020204" pitchFamily="34" charset="0"/>
+                </a:defRPr>
+              </a:lvl7pPr>
+              <a:lvl8pPr marL="3429000" indent="-228600" defTabSz="4173538" eaLnBrk="0" fontAlgn="base" hangingPunct="0">
+                <a:spcBef>
+                  <a:spcPct val="20000"/>
+                </a:spcBef>
+                <a:spcAft>
+                  <a:spcPct val="0"/>
+                </a:spcAft>
+                <a:buChar char="»"/>
+                <a:defRPr sz="9100">
+                  <a:solidFill>
+                    <a:schemeClr val="tx1"/>
+                  </a:solidFill>
+                  <a:latin typeface="Arial" panose="020B0604020202020204" pitchFamily="34" charset="0"/>
+                </a:defRPr>
+              </a:lvl8pPr>
+              <a:lvl9pPr marL="3886200" indent="-228600" defTabSz="4173538" eaLnBrk="0" fontAlgn="base" hangingPunct="0">
+                <a:spcBef>
+                  <a:spcPct val="20000"/>
+                </a:spcBef>
+                <a:spcAft>
+                  <a:spcPct val="0"/>
+                </a:spcAft>
+                <a:buChar char="»"/>
+                <a:defRPr sz="9100">
+                  <a:solidFill>
+                    <a:schemeClr val="tx1"/>
+                  </a:solidFill>
+                  <a:latin typeface="Arial" panose="020B0604020202020204" pitchFamily="34" charset="0"/>
+                </a:defRPr>
+              </a:lvl9pPr>
+            </a:lstStyle>
+            <a:p>
+              <a:pPr eaLnBrk="1" hangingPunct="1">
+                <a:spcBef>
+                  <a:spcPct val="0"/>
+                </a:spcBef>
+                <a:buFontTx/>
+                <a:buNone/>
+              </a:pPr>
+              <a:r>
+                <a:rPr lang="en-GB" altLang="en-US" sz="2400" dirty="0"/>
+                <a:t>FFT of consumer data</a:t>
+              </a:r>
+            </a:p>
+          </p:txBody>
+        </p:sp>
+      </p:grpSp>
+      <p:grpSp>
+        <p:nvGrpSpPr>
+          <p:cNvPr id="69" name="Group 49">
+            <a:extLst>
+              <a:ext uri="{FF2B5EF4-FFF2-40B4-BE49-F238E27FC236}">
+                <a16:creationId xmlns:a16="http://schemas.microsoft.com/office/drawing/2014/main" id="{170F755B-9AC1-46A7-884A-2945CF8F278B}"/>
+              </a:ext>
+            </a:extLst>
+          </p:cNvPr>
+          <p:cNvGrpSpPr>
+            <a:grpSpLocks/>
+          </p:cNvGrpSpPr>
+          <p:nvPr/>
+        </p:nvGrpSpPr>
+        <p:grpSpPr bwMode="auto">
+          <a:xfrm>
+            <a:off x="3120718" y="11162948"/>
+            <a:ext cx="5005771" cy="3327962"/>
+            <a:chOff x="15579725" y="29481462"/>
+            <a:chExt cx="14554200" cy="8610601"/>
+          </a:xfrm>
+        </p:grpSpPr>
+        <p:sp>
+          <p:nvSpPr>
+            <p:cNvPr id="70" name="AutoShape 37">
+              <a:extLst>
+                <a:ext uri="{FF2B5EF4-FFF2-40B4-BE49-F238E27FC236}">
+                  <a16:creationId xmlns:a16="http://schemas.microsoft.com/office/drawing/2014/main" id="{2BB198C7-082A-4851-BABF-52A8AE08FF1B}"/>
+                </a:ext>
+              </a:extLst>
+            </p:cNvPr>
+            <p:cNvSpPr>
+              <a:spLocks noChangeArrowheads="1"/>
+            </p:cNvSpPr>
+            <p:nvPr/>
+          </p:nvSpPr>
+          <p:spPr bwMode="auto">
+            <a:xfrm>
+              <a:off x="15579725" y="29481463"/>
+              <a:ext cx="14554200" cy="8610600"/>
+            </a:xfrm>
+            <a:prstGeom prst="roundRect">
+              <a:avLst>
+                <a:gd name="adj" fmla="val 3875"/>
+              </a:avLst>
+            </a:prstGeom>
+            <a:solidFill>
+              <a:schemeClr val="bg1"/>
+            </a:solidFill>
+            <a:ln w="76200">
+              <a:solidFill>
+                <a:schemeClr val="tx1"/>
+              </a:solidFill>
+              <a:round/>
+              <a:headEnd/>
+              <a:tailEnd/>
+            </a:ln>
+          </p:spPr>
+          <p:txBody>
+            <a:bodyPr wrap="none" anchor="ctr"/>
+            <a:lstStyle>
+              <a:lvl1pPr>
+                <a:spcBef>
+                  <a:spcPct val="20000"/>
+                </a:spcBef>
+                <a:buChar char="•"/>
+                <a:defRPr sz="14600">
+                  <a:solidFill>
+                    <a:schemeClr val="tx1"/>
+                  </a:solidFill>
+                  <a:latin typeface="Arial" panose="020B0604020202020204" pitchFamily="34" charset="0"/>
+                </a:defRPr>
+              </a:lvl1pPr>
+              <a:lvl2pPr marL="742950" indent="-285750">
+                <a:spcBef>
+                  <a:spcPct val="20000"/>
+                </a:spcBef>
+                <a:buChar char="–"/>
+                <a:defRPr sz="12800">
+                  <a:solidFill>
+                    <a:schemeClr val="tx1"/>
+                  </a:solidFill>
+                  <a:latin typeface="Arial" panose="020B0604020202020204" pitchFamily="34" charset="0"/>
+                </a:defRPr>
+              </a:lvl2pPr>
+              <a:lvl3pPr marL="1143000" indent="-228600">
+                <a:spcBef>
+                  <a:spcPct val="20000"/>
+                </a:spcBef>
+                <a:buChar char="•"/>
+                <a:defRPr sz="11000">
+                  <a:solidFill>
+                    <a:schemeClr val="tx1"/>
+                  </a:solidFill>
+                  <a:latin typeface="Arial" panose="020B0604020202020204" pitchFamily="34" charset="0"/>
+                </a:defRPr>
+              </a:lvl3pPr>
+              <a:lvl4pPr marL="1600200" indent="-228600">
+                <a:spcBef>
+                  <a:spcPct val="20000"/>
+                </a:spcBef>
+                <a:buChar char="–"/>
+                <a:defRPr sz="9100">
+                  <a:solidFill>
+                    <a:schemeClr val="tx1"/>
+                  </a:solidFill>
+                  <a:latin typeface="Arial" panose="020B0604020202020204" pitchFamily="34" charset="0"/>
+                </a:defRPr>
+              </a:lvl4pPr>
+              <a:lvl5pPr marL="2057400" indent="-228600">
+                <a:spcBef>
+                  <a:spcPct val="20000"/>
+                </a:spcBef>
+                <a:buChar char="»"/>
+                <a:defRPr sz="9100">
+                  <a:solidFill>
+                    <a:schemeClr val="tx1"/>
+                  </a:solidFill>
+                  <a:latin typeface="Arial" panose="020B0604020202020204" pitchFamily="34" charset="0"/>
+                </a:defRPr>
+              </a:lvl5pPr>
+              <a:lvl6pPr marL="2514600" indent="-228600" eaLnBrk="0" fontAlgn="base" hangingPunct="0">
+                <a:spcBef>
+                  <a:spcPct val="20000"/>
+                </a:spcBef>
+                <a:spcAft>
+                  <a:spcPct val="0"/>
+                </a:spcAft>
+                <a:buChar char="»"/>
+                <a:defRPr sz="9100">
+                  <a:solidFill>
+                    <a:schemeClr val="tx1"/>
+                  </a:solidFill>
+                  <a:latin typeface="Arial" panose="020B0604020202020204" pitchFamily="34" charset="0"/>
+                </a:defRPr>
+              </a:lvl6pPr>
+              <a:lvl7pPr marL="2971800" indent="-228600" eaLnBrk="0" fontAlgn="base" hangingPunct="0">
+                <a:spcBef>
+                  <a:spcPct val="20000"/>
+                </a:spcBef>
+                <a:spcAft>
+                  <a:spcPct val="0"/>
+                </a:spcAft>
+                <a:buChar char="»"/>
+                <a:defRPr sz="9100">
+                  <a:solidFill>
+                    <a:schemeClr val="tx1"/>
+                  </a:solidFill>
+                  <a:latin typeface="Arial" panose="020B0604020202020204" pitchFamily="34" charset="0"/>
+                </a:defRPr>
+              </a:lvl7pPr>
+              <a:lvl8pPr marL="3429000" indent="-228600" eaLnBrk="0" fontAlgn="base" hangingPunct="0">
+                <a:spcBef>
+                  <a:spcPct val="20000"/>
+                </a:spcBef>
+                <a:spcAft>
+                  <a:spcPct val="0"/>
+                </a:spcAft>
+                <a:buChar char="»"/>
+                <a:defRPr sz="9100">
+                  <a:solidFill>
+                    <a:schemeClr val="tx1"/>
+                  </a:solidFill>
+                  <a:latin typeface="Arial" panose="020B0604020202020204" pitchFamily="34" charset="0"/>
+                </a:defRPr>
+              </a:lvl8pPr>
+              <a:lvl9pPr marL="3886200" indent="-228600" eaLnBrk="0" fontAlgn="base" hangingPunct="0">
+                <a:spcBef>
+                  <a:spcPct val="20000"/>
+                </a:spcBef>
+                <a:spcAft>
+                  <a:spcPct val="0"/>
+                </a:spcAft>
+                <a:buChar char="»"/>
+                <a:defRPr sz="9100">
+                  <a:solidFill>
+                    <a:schemeClr val="tx1"/>
+                  </a:solidFill>
+                  <a:latin typeface="Arial" panose="020B0604020202020204" pitchFamily="34" charset="0"/>
+                </a:defRPr>
+              </a:lvl9pPr>
+            </a:lstStyle>
+            <a:p>
+              <a:pPr eaLnBrk="1" hangingPunct="1">
+                <a:spcBef>
+                  <a:spcPct val="0"/>
+                </a:spcBef>
+                <a:buFontTx/>
+                <a:buNone/>
+              </a:pPr>
+              <a:endParaRPr lang="en-GB" altLang="en-US" sz="6600" dirty="0"/>
+            </a:p>
+          </p:txBody>
+        </p:sp>
+        <p:sp>
+          <p:nvSpPr>
+            <p:cNvPr id="71" name="Text Box 44">
+              <a:extLst>
+                <a:ext uri="{FF2B5EF4-FFF2-40B4-BE49-F238E27FC236}">
+                  <a16:creationId xmlns:a16="http://schemas.microsoft.com/office/drawing/2014/main" id="{5478FA6C-F7CF-4F38-BBF2-35E55ADC1919}"/>
+                </a:ext>
+              </a:extLst>
+            </p:cNvPr>
+            <p:cNvSpPr txBox="1">
+              <a:spLocks noChangeArrowheads="1"/>
+            </p:cNvSpPr>
+            <p:nvPr/>
+          </p:nvSpPr>
+          <p:spPr bwMode="auto">
+            <a:xfrm>
+              <a:off x="17789526" y="29481462"/>
+              <a:ext cx="10119324" cy="1990813"/>
+            </a:xfrm>
+            <a:prstGeom prst="rect">
+              <a:avLst/>
+            </a:prstGeom>
+            <a:noFill/>
+            <a:ln>
+              <a:noFill/>
+            </a:ln>
+            <a:extLst>
+              <a:ext uri="{909E8E84-426E-40DD-AFC4-6F175D3DCCD1}">
+                <a14:hiddenFill xmlns:a14="http://schemas.microsoft.com/office/drawing/2010/main">
+                  <a:solidFill>
+                    <a:srgbClr val="FFFFFF"/>
+                  </a:solidFill>
+                </a14:hiddenFill>
+              </a:ext>
+              <a:ext uri="{91240B29-F687-4F45-9708-019B960494DF}">
+                <a14:hiddenLine xmlns:a14="http://schemas.microsoft.com/office/drawing/2010/main" w="9525">
+                  <a:solidFill>
+                    <a:srgbClr val="000000"/>
+                  </a:solidFill>
+                  <a:miter lim="800000"/>
+                  <a:headEnd/>
+                  <a:tailEnd/>
+                </a14:hiddenLine>
+              </a:ext>
+            </a:extLst>
+          </p:spPr>
+          <p:txBody>
+            <a:bodyPr wrap="none">
+              <a:spAutoFit/>
+            </a:bodyPr>
+            <a:lstStyle>
+              <a:lvl1pPr defTabSz="4173538">
+                <a:spcBef>
+                  <a:spcPct val="20000"/>
+                </a:spcBef>
+                <a:buChar char="•"/>
+                <a:defRPr sz="14600">
+                  <a:solidFill>
+                    <a:schemeClr val="tx1"/>
+                  </a:solidFill>
+                  <a:latin typeface="Arial" panose="020B0604020202020204" pitchFamily="34" charset="0"/>
+                </a:defRPr>
+              </a:lvl1pPr>
+              <a:lvl2pPr marL="742950" indent="-285750" defTabSz="4173538">
+                <a:spcBef>
+                  <a:spcPct val="20000"/>
+                </a:spcBef>
+                <a:buChar char="–"/>
+                <a:defRPr sz="12800">
+                  <a:solidFill>
+                    <a:schemeClr val="tx1"/>
+                  </a:solidFill>
+                  <a:latin typeface="Arial" panose="020B0604020202020204" pitchFamily="34" charset="0"/>
+                </a:defRPr>
+              </a:lvl2pPr>
+              <a:lvl3pPr marL="1143000" indent="-228600" defTabSz="4173538">
+                <a:spcBef>
+                  <a:spcPct val="20000"/>
+                </a:spcBef>
+                <a:buChar char="•"/>
+                <a:defRPr sz="11000">
+                  <a:solidFill>
+                    <a:schemeClr val="tx1"/>
+                  </a:solidFill>
+                  <a:latin typeface="Arial" panose="020B0604020202020204" pitchFamily="34" charset="0"/>
+                </a:defRPr>
+              </a:lvl3pPr>
+              <a:lvl4pPr marL="1600200" indent="-228600" defTabSz="4173538">
+                <a:spcBef>
+                  <a:spcPct val="20000"/>
+                </a:spcBef>
+                <a:buChar char="–"/>
+                <a:defRPr sz="9100">
+                  <a:solidFill>
+                    <a:schemeClr val="tx1"/>
+                  </a:solidFill>
+                  <a:latin typeface="Arial" panose="020B0604020202020204" pitchFamily="34" charset="0"/>
+                </a:defRPr>
+              </a:lvl4pPr>
+              <a:lvl5pPr marL="2057400" indent="-228600" defTabSz="4173538">
+                <a:spcBef>
+                  <a:spcPct val="20000"/>
+                </a:spcBef>
+                <a:buChar char="»"/>
+                <a:defRPr sz="9100">
+                  <a:solidFill>
+                    <a:schemeClr val="tx1"/>
+                  </a:solidFill>
+                  <a:latin typeface="Arial" panose="020B0604020202020204" pitchFamily="34" charset="0"/>
+                </a:defRPr>
+              </a:lvl5pPr>
+              <a:lvl6pPr marL="2514600" indent="-228600" defTabSz="4173538" eaLnBrk="0" fontAlgn="base" hangingPunct="0">
+                <a:spcBef>
+                  <a:spcPct val="20000"/>
+                </a:spcBef>
+                <a:spcAft>
+                  <a:spcPct val="0"/>
+                </a:spcAft>
+                <a:buChar char="»"/>
+                <a:defRPr sz="9100">
+                  <a:solidFill>
+                    <a:schemeClr val="tx1"/>
+                  </a:solidFill>
+                  <a:latin typeface="Arial" panose="020B0604020202020204" pitchFamily="34" charset="0"/>
+                </a:defRPr>
+              </a:lvl6pPr>
+              <a:lvl7pPr marL="2971800" indent="-228600" defTabSz="4173538" eaLnBrk="0" fontAlgn="base" hangingPunct="0">
+                <a:spcBef>
+                  <a:spcPct val="20000"/>
+                </a:spcBef>
+                <a:spcAft>
+                  <a:spcPct val="0"/>
+                </a:spcAft>
+                <a:buChar char="»"/>
+                <a:defRPr sz="9100">
+                  <a:solidFill>
+                    <a:schemeClr val="tx1"/>
+                  </a:solidFill>
+                  <a:latin typeface="Arial" panose="020B0604020202020204" pitchFamily="34" charset="0"/>
+                </a:defRPr>
+              </a:lvl7pPr>
+              <a:lvl8pPr marL="3429000" indent="-228600" defTabSz="4173538" eaLnBrk="0" fontAlgn="base" hangingPunct="0">
+                <a:spcBef>
+                  <a:spcPct val="20000"/>
+                </a:spcBef>
+                <a:spcAft>
+                  <a:spcPct val="0"/>
+                </a:spcAft>
+                <a:buChar char="»"/>
+                <a:defRPr sz="9100">
+                  <a:solidFill>
+                    <a:schemeClr val="tx1"/>
+                  </a:solidFill>
+                  <a:latin typeface="Arial" panose="020B0604020202020204" pitchFamily="34" charset="0"/>
+                </a:defRPr>
+              </a:lvl8pPr>
+              <a:lvl9pPr marL="3886200" indent="-228600" defTabSz="4173538" eaLnBrk="0" fontAlgn="base" hangingPunct="0">
+                <a:spcBef>
+                  <a:spcPct val="20000"/>
+                </a:spcBef>
+                <a:spcAft>
+                  <a:spcPct val="0"/>
+                </a:spcAft>
+                <a:buChar char="»"/>
+                <a:defRPr sz="9100">
+                  <a:solidFill>
+                    <a:schemeClr val="tx1"/>
+                  </a:solidFill>
+                  <a:latin typeface="Arial" panose="020B0604020202020204" pitchFamily="34" charset="0"/>
+                </a:defRPr>
+              </a:lvl9pPr>
+            </a:lstStyle>
+            <a:p>
+              <a:pPr eaLnBrk="1" hangingPunct="1">
+                <a:spcBef>
+                  <a:spcPct val="0"/>
+                </a:spcBef>
+                <a:buFontTx/>
+                <a:buNone/>
+              </a:pPr>
+              <a:r>
+                <a:rPr lang="en-GB" altLang="en-US" sz="4400" dirty="0"/>
+                <a:t>Graph theory</a:t>
+              </a:r>
+            </a:p>
+          </p:txBody>
+        </p:sp>
+        <p:sp>
+          <p:nvSpPr>
+            <p:cNvPr id="72" name="Rectangle 60">
+              <a:extLst>
+                <a:ext uri="{FF2B5EF4-FFF2-40B4-BE49-F238E27FC236}">
+                  <a16:creationId xmlns:a16="http://schemas.microsoft.com/office/drawing/2014/main" id="{DA77D272-D3DA-41E7-A440-966B36592AED}"/>
+                </a:ext>
+              </a:extLst>
+            </p:cNvPr>
+            <p:cNvSpPr>
+              <a:spLocks noChangeArrowheads="1"/>
+            </p:cNvSpPr>
+            <p:nvPr/>
+          </p:nvSpPr>
+          <p:spPr bwMode="auto">
+            <a:xfrm>
+              <a:off x="15946437" y="31038503"/>
+              <a:ext cx="13868400" cy="584688"/>
+            </a:xfrm>
+            <a:prstGeom prst="rect">
+              <a:avLst/>
+            </a:prstGeom>
+            <a:noFill/>
+            <a:ln>
+              <a:noFill/>
+            </a:ln>
+            <a:extLst>
+              <a:ext uri="{909E8E84-426E-40DD-AFC4-6F175D3DCCD1}">
+                <a14:hiddenFill xmlns:a14="http://schemas.microsoft.com/office/drawing/2010/main">
+                  <a:solidFill>
+                    <a:srgbClr val="FFFFFF"/>
+                  </a:solidFill>
+                </a14:hiddenFill>
+              </a:ext>
+              <a:ext uri="{91240B29-F687-4F45-9708-019B960494DF}">
+                <a14:hiddenLine xmlns:a14="http://schemas.microsoft.com/office/drawing/2010/main" w="9525">
+                  <a:solidFill>
+                    <a:srgbClr val="000000"/>
+                  </a:solidFill>
+                  <a:miter lim="800000"/>
+                  <a:headEnd/>
+                  <a:tailEnd/>
+                </a14:hiddenLine>
+              </a:ext>
+            </a:extLst>
+          </p:spPr>
+          <p:txBody>
+            <a:bodyPr>
+              <a:spAutoFit/>
+            </a:bodyPr>
+            <a:lstStyle>
+              <a:lvl1pPr marL="342900" indent="-342900" defTabSz="4173538">
+                <a:spcBef>
+                  <a:spcPct val="20000"/>
+                </a:spcBef>
+                <a:buChar char="•"/>
+                <a:defRPr sz="14600">
+                  <a:solidFill>
+                    <a:schemeClr val="tx1"/>
+                  </a:solidFill>
+                  <a:latin typeface="Arial" panose="020B0604020202020204" pitchFamily="34" charset="0"/>
+                </a:defRPr>
+              </a:lvl1pPr>
+              <a:lvl2pPr marL="742950" indent="-285750" defTabSz="4173538">
+                <a:spcBef>
+                  <a:spcPct val="20000"/>
+                </a:spcBef>
+                <a:buChar char="–"/>
+                <a:defRPr sz="12800">
+                  <a:solidFill>
+                    <a:schemeClr val="tx1"/>
+                  </a:solidFill>
+                  <a:latin typeface="Arial" panose="020B0604020202020204" pitchFamily="34" charset="0"/>
+                </a:defRPr>
+              </a:lvl2pPr>
+              <a:lvl3pPr marL="1143000" indent="-228600" defTabSz="4173538">
+                <a:spcBef>
+                  <a:spcPct val="20000"/>
+                </a:spcBef>
+                <a:buChar char="•"/>
+                <a:defRPr sz="11000">
+                  <a:solidFill>
+                    <a:schemeClr val="tx1"/>
+                  </a:solidFill>
+                  <a:latin typeface="Arial" panose="020B0604020202020204" pitchFamily="34" charset="0"/>
+                </a:defRPr>
+              </a:lvl3pPr>
+              <a:lvl4pPr marL="1600200" indent="-228600" defTabSz="4173538">
+                <a:spcBef>
+                  <a:spcPct val="20000"/>
+                </a:spcBef>
+                <a:buChar char="–"/>
+                <a:defRPr sz="9100">
+                  <a:solidFill>
+                    <a:schemeClr val="tx1"/>
+                  </a:solidFill>
+                  <a:latin typeface="Arial" panose="020B0604020202020204" pitchFamily="34" charset="0"/>
+                </a:defRPr>
+              </a:lvl4pPr>
+              <a:lvl5pPr marL="2057400" indent="-228600" defTabSz="4173538">
+                <a:spcBef>
+                  <a:spcPct val="20000"/>
+                </a:spcBef>
+                <a:buChar char="»"/>
+                <a:defRPr sz="9100">
+                  <a:solidFill>
+                    <a:schemeClr val="tx1"/>
+                  </a:solidFill>
+                  <a:latin typeface="Arial" panose="020B0604020202020204" pitchFamily="34" charset="0"/>
+                </a:defRPr>
+              </a:lvl5pPr>
+              <a:lvl6pPr marL="2514600" indent="-228600" defTabSz="4173538" eaLnBrk="0" fontAlgn="base" hangingPunct="0">
+                <a:spcBef>
+                  <a:spcPct val="20000"/>
+                </a:spcBef>
+                <a:spcAft>
+                  <a:spcPct val="0"/>
+                </a:spcAft>
+                <a:buChar char="»"/>
+                <a:defRPr sz="9100">
+                  <a:solidFill>
+                    <a:schemeClr val="tx1"/>
+                  </a:solidFill>
+                  <a:latin typeface="Arial" panose="020B0604020202020204" pitchFamily="34" charset="0"/>
+                </a:defRPr>
+              </a:lvl6pPr>
+              <a:lvl7pPr marL="2971800" indent="-228600" defTabSz="4173538" eaLnBrk="0" fontAlgn="base" hangingPunct="0">
+                <a:spcBef>
+                  <a:spcPct val="20000"/>
+                </a:spcBef>
+                <a:spcAft>
+                  <a:spcPct val="0"/>
+                </a:spcAft>
+                <a:buChar char="»"/>
+                <a:defRPr sz="9100">
+                  <a:solidFill>
+                    <a:schemeClr val="tx1"/>
+                  </a:solidFill>
+                  <a:latin typeface="Arial" panose="020B0604020202020204" pitchFamily="34" charset="0"/>
+                </a:defRPr>
+              </a:lvl7pPr>
+              <a:lvl8pPr marL="3429000" indent="-228600" defTabSz="4173538" eaLnBrk="0" fontAlgn="base" hangingPunct="0">
+                <a:spcBef>
+                  <a:spcPct val="20000"/>
+                </a:spcBef>
+                <a:spcAft>
+                  <a:spcPct val="0"/>
+                </a:spcAft>
+                <a:buChar char="»"/>
+                <a:defRPr sz="9100">
+                  <a:solidFill>
+                    <a:schemeClr val="tx1"/>
+                  </a:solidFill>
+                  <a:latin typeface="Arial" panose="020B0604020202020204" pitchFamily="34" charset="0"/>
+                </a:defRPr>
+              </a:lvl8pPr>
+              <a:lvl9pPr marL="3886200" indent="-228600" defTabSz="4173538" eaLnBrk="0" fontAlgn="base" hangingPunct="0">
+                <a:spcBef>
+                  <a:spcPct val="20000"/>
+                </a:spcBef>
+                <a:spcAft>
+                  <a:spcPct val="0"/>
+                </a:spcAft>
+                <a:buChar char="»"/>
+                <a:defRPr sz="9100">
+                  <a:solidFill>
+                    <a:schemeClr val="tx1"/>
+                  </a:solidFill>
+                  <a:latin typeface="Arial" panose="020B0604020202020204" pitchFamily="34" charset="0"/>
+                </a:defRPr>
+              </a:lvl9pPr>
+            </a:lstStyle>
+            <a:p>
+              <a:pPr eaLnBrk="1" hangingPunct="1">
+                <a:spcBef>
+                  <a:spcPct val="0"/>
+                </a:spcBef>
+                <a:buFontTx/>
+                <a:buNone/>
+              </a:pPr>
+              <a:r>
+                <a:rPr lang="en-GB" altLang="en-US" sz="2400" dirty="0"/>
+                <a:t>Here goes text</a:t>
+              </a:r>
+            </a:p>
+          </p:txBody>
+        </p:sp>
+      </p:grpSp>
+      <p:grpSp>
+        <p:nvGrpSpPr>
+          <p:cNvPr id="74" name="Group 49">
+            <a:extLst>
+              <a:ext uri="{FF2B5EF4-FFF2-40B4-BE49-F238E27FC236}">
+                <a16:creationId xmlns:a16="http://schemas.microsoft.com/office/drawing/2014/main" id="{E81FE3A9-E181-4418-ABEE-8C83DC613DD2}"/>
+              </a:ext>
+            </a:extLst>
+          </p:cNvPr>
+          <p:cNvGrpSpPr>
+            <a:grpSpLocks/>
+          </p:cNvGrpSpPr>
+          <p:nvPr/>
+        </p:nvGrpSpPr>
+        <p:grpSpPr bwMode="auto">
+          <a:xfrm>
+            <a:off x="22444945" y="11539579"/>
+            <a:ext cx="6811530" cy="3336051"/>
+            <a:chOff x="15579725" y="29460533"/>
+            <a:chExt cx="14554200" cy="8631530"/>
+          </a:xfrm>
+        </p:grpSpPr>
+        <p:sp>
+          <p:nvSpPr>
+            <p:cNvPr id="75" name="AutoShape 37">
+              <a:extLst>
+                <a:ext uri="{FF2B5EF4-FFF2-40B4-BE49-F238E27FC236}">
+                  <a16:creationId xmlns:a16="http://schemas.microsoft.com/office/drawing/2014/main" id="{1A1EC6F5-18A6-45E4-93B0-416890441B6C}"/>
+                </a:ext>
+              </a:extLst>
+            </p:cNvPr>
+            <p:cNvSpPr>
+              <a:spLocks noChangeArrowheads="1"/>
+            </p:cNvSpPr>
+            <p:nvPr/>
+          </p:nvSpPr>
+          <p:spPr bwMode="auto">
+            <a:xfrm>
+              <a:off x="15579725" y="29481463"/>
+              <a:ext cx="14554200" cy="8610600"/>
+            </a:xfrm>
+            <a:prstGeom prst="roundRect">
+              <a:avLst>
+                <a:gd name="adj" fmla="val 3875"/>
+              </a:avLst>
+            </a:prstGeom>
+            <a:solidFill>
+              <a:schemeClr val="bg1"/>
+            </a:solidFill>
+            <a:ln w="76200">
+              <a:solidFill>
+                <a:schemeClr val="tx1"/>
+              </a:solidFill>
+              <a:round/>
+              <a:headEnd/>
+              <a:tailEnd/>
+            </a:ln>
+          </p:spPr>
+          <p:txBody>
+            <a:bodyPr wrap="none" anchor="ctr"/>
+            <a:lstStyle>
+              <a:lvl1pPr>
+                <a:spcBef>
+                  <a:spcPct val="20000"/>
+                </a:spcBef>
+                <a:buChar char="•"/>
+                <a:defRPr sz="14600">
+                  <a:solidFill>
+                    <a:schemeClr val="tx1"/>
+                  </a:solidFill>
+                  <a:latin typeface="Arial" panose="020B0604020202020204" pitchFamily="34" charset="0"/>
+                </a:defRPr>
+              </a:lvl1pPr>
+              <a:lvl2pPr marL="742950" indent="-285750">
+                <a:spcBef>
+                  <a:spcPct val="20000"/>
+                </a:spcBef>
+                <a:buChar char="–"/>
+                <a:defRPr sz="12800">
+                  <a:solidFill>
+                    <a:schemeClr val="tx1"/>
+                  </a:solidFill>
+                  <a:latin typeface="Arial" panose="020B0604020202020204" pitchFamily="34" charset="0"/>
+                </a:defRPr>
+              </a:lvl2pPr>
+              <a:lvl3pPr marL="1143000" indent="-228600">
+                <a:spcBef>
+                  <a:spcPct val="20000"/>
+                </a:spcBef>
+                <a:buChar char="•"/>
+                <a:defRPr sz="11000">
+                  <a:solidFill>
+                    <a:schemeClr val="tx1"/>
+                  </a:solidFill>
+                  <a:latin typeface="Arial" panose="020B0604020202020204" pitchFamily="34" charset="0"/>
+                </a:defRPr>
+              </a:lvl3pPr>
+              <a:lvl4pPr marL="1600200" indent="-228600">
+                <a:spcBef>
+                  <a:spcPct val="20000"/>
+                </a:spcBef>
+                <a:buChar char="–"/>
+                <a:defRPr sz="9100">
+                  <a:solidFill>
+                    <a:schemeClr val="tx1"/>
+                  </a:solidFill>
+                  <a:latin typeface="Arial" panose="020B0604020202020204" pitchFamily="34" charset="0"/>
+                </a:defRPr>
+              </a:lvl4pPr>
+              <a:lvl5pPr marL="2057400" indent="-228600">
+                <a:spcBef>
+                  <a:spcPct val="20000"/>
+                </a:spcBef>
+                <a:buChar char="»"/>
+                <a:defRPr sz="9100">
+                  <a:solidFill>
+                    <a:schemeClr val="tx1"/>
+                  </a:solidFill>
+                  <a:latin typeface="Arial" panose="020B0604020202020204" pitchFamily="34" charset="0"/>
+                </a:defRPr>
+              </a:lvl5pPr>
+              <a:lvl6pPr marL="2514600" indent="-228600" eaLnBrk="0" fontAlgn="base" hangingPunct="0">
+                <a:spcBef>
+                  <a:spcPct val="20000"/>
+                </a:spcBef>
+                <a:spcAft>
+                  <a:spcPct val="0"/>
+                </a:spcAft>
+                <a:buChar char="»"/>
+                <a:defRPr sz="9100">
+                  <a:solidFill>
+                    <a:schemeClr val="tx1"/>
+                  </a:solidFill>
+                  <a:latin typeface="Arial" panose="020B0604020202020204" pitchFamily="34" charset="0"/>
+                </a:defRPr>
+              </a:lvl6pPr>
+              <a:lvl7pPr marL="2971800" indent="-228600" eaLnBrk="0" fontAlgn="base" hangingPunct="0">
+                <a:spcBef>
+                  <a:spcPct val="20000"/>
+                </a:spcBef>
+                <a:spcAft>
+                  <a:spcPct val="0"/>
+                </a:spcAft>
+                <a:buChar char="»"/>
+                <a:defRPr sz="9100">
+                  <a:solidFill>
+                    <a:schemeClr val="tx1"/>
+                  </a:solidFill>
+                  <a:latin typeface="Arial" panose="020B0604020202020204" pitchFamily="34" charset="0"/>
+                </a:defRPr>
+              </a:lvl7pPr>
+              <a:lvl8pPr marL="3429000" indent="-228600" eaLnBrk="0" fontAlgn="base" hangingPunct="0">
+                <a:spcBef>
+                  <a:spcPct val="20000"/>
+                </a:spcBef>
+                <a:spcAft>
+                  <a:spcPct val="0"/>
+                </a:spcAft>
+                <a:buChar char="»"/>
+                <a:defRPr sz="9100">
+                  <a:solidFill>
+                    <a:schemeClr val="tx1"/>
+                  </a:solidFill>
+                  <a:latin typeface="Arial" panose="020B0604020202020204" pitchFamily="34" charset="0"/>
+                </a:defRPr>
+              </a:lvl8pPr>
+              <a:lvl9pPr marL="3886200" indent="-228600" eaLnBrk="0" fontAlgn="base" hangingPunct="0">
+                <a:spcBef>
+                  <a:spcPct val="20000"/>
+                </a:spcBef>
+                <a:spcAft>
+                  <a:spcPct val="0"/>
+                </a:spcAft>
+                <a:buChar char="»"/>
+                <a:defRPr sz="9100">
+                  <a:solidFill>
+                    <a:schemeClr val="tx1"/>
+                  </a:solidFill>
+                  <a:latin typeface="Arial" panose="020B0604020202020204" pitchFamily="34" charset="0"/>
+                </a:defRPr>
+              </a:lvl9pPr>
+            </a:lstStyle>
+            <a:p>
+              <a:pPr eaLnBrk="1" hangingPunct="1">
+                <a:spcBef>
+                  <a:spcPct val="0"/>
+                </a:spcBef>
+                <a:buFontTx/>
+                <a:buNone/>
+              </a:pPr>
+              <a:endParaRPr lang="en-GB" altLang="en-US" sz="6600" dirty="0"/>
+            </a:p>
+          </p:txBody>
+        </p:sp>
+        <p:sp>
+          <p:nvSpPr>
+            <p:cNvPr id="76" name="Text Box 44">
+              <a:extLst>
+                <a:ext uri="{FF2B5EF4-FFF2-40B4-BE49-F238E27FC236}">
+                  <a16:creationId xmlns:a16="http://schemas.microsoft.com/office/drawing/2014/main" id="{E4AF76BC-6938-4A96-8FCF-2894D6CAF5C8}"/>
+                </a:ext>
+              </a:extLst>
+            </p:cNvPr>
+            <p:cNvSpPr txBox="1">
+              <a:spLocks noChangeArrowheads="1"/>
+            </p:cNvSpPr>
+            <p:nvPr/>
+          </p:nvSpPr>
+          <p:spPr bwMode="auto">
+            <a:xfrm>
+              <a:off x="16992986" y="29460533"/>
+              <a:ext cx="11775301" cy="1990813"/>
+            </a:xfrm>
+            <a:prstGeom prst="rect">
+              <a:avLst/>
+            </a:prstGeom>
+            <a:noFill/>
+            <a:ln>
+              <a:noFill/>
+            </a:ln>
+            <a:extLst>
+              <a:ext uri="{909E8E84-426E-40DD-AFC4-6F175D3DCCD1}">
+                <a14:hiddenFill xmlns:a14="http://schemas.microsoft.com/office/drawing/2010/main">
+                  <a:solidFill>
+                    <a:srgbClr val="FFFFFF"/>
+                  </a:solidFill>
+                </a14:hiddenFill>
+              </a:ext>
+              <a:ext uri="{91240B29-F687-4F45-9708-019B960494DF}">
+                <a14:hiddenLine xmlns:a14="http://schemas.microsoft.com/office/drawing/2010/main" w="9525">
+                  <a:solidFill>
+                    <a:srgbClr val="000000"/>
+                  </a:solidFill>
+                  <a:miter lim="800000"/>
+                  <a:headEnd/>
+                  <a:tailEnd/>
+                </a14:hiddenLine>
+              </a:ext>
+            </a:extLst>
+          </p:spPr>
+          <p:txBody>
+            <a:bodyPr wrap="square">
+              <a:spAutoFit/>
+            </a:bodyPr>
+            <a:lstStyle>
+              <a:lvl1pPr defTabSz="4173538">
+                <a:spcBef>
+                  <a:spcPct val="20000"/>
+                </a:spcBef>
+                <a:buChar char="•"/>
+                <a:defRPr sz="14600">
+                  <a:solidFill>
+                    <a:schemeClr val="tx1"/>
+                  </a:solidFill>
+                  <a:latin typeface="Arial" panose="020B0604020202020204" pitchFamily="34" charset="0"/>
+                </a:defRPr>
+              </a:lvl1pPr>
+              <a:lvl2pPr marL="742950" indent="-285750" defTabSz="4173538">
+                <a:spcBef>
+                  <a:spcPct val="20000"/>
+                </a:spcBef>
+                <a:buChar char="–"/>
+                <a:defRPr sz="12800">
+                  <a:solidFill>
+                    <a:schemeClr val="tx1"/>
+                  </a:solidFill>
+                  <a:latin typeface="Arial" panose="020B0604020202020204" pitchFamily="34" charset="0"/>
+                </a:defRPr>
+              </a:lvl2pPr>
+              <a:lvl3pPr marL="1143000" indent="-228600" defTabSz="4173538">
+                <a:spcBef>
+                  <a:spcPct val="20000"/>
+                </a:spcBef>
+                <a:buChar char="•"/>
+                <a:defRPr sz="11000">
+                  <a:solidFill>
+                    <a:schemeClr val="tx1"/>
+                  </a:solidFill>
+                  <a:latin typeface="Arial" panose="020B0604020202020204" pitchFamily="34" charset="0"/>
+                </a:defRPr>
+              </a:lvl3pPr>
+              <a:lvl4pPr marL="1600200" indent="-228600" defTabSz="4173538">
+                <a:spcBef>
+                  <a:spcPct val="20000"/>
+                </a:spcBef>
+                <a:buChar char="–"/>
+                <a:defRPr sz="9100">
+                  <a:solidFill>
+                    <a:schemeClr val="tx1"/>
+                  </a:solidFill>
+                  <a:latin typeface="Arial" panose="020B0604020202020204" pitchFamily="34" charset="0"/>
+                </a:defRPr>
+              </a:lvl4pPr>
+              <a:lvl5pPr marL="2057400" indent="-228600" defTabSz="4173538">
+                <a:spcBef>
+                  <a:spcPct val="20000"/>
+                </a:spcBef>
+                <a:buChar char="»"/>
+                <a:defRPr sz="9100">
+                  <a:solidFill>
+                    <a:schemeClr val="tx1"/>
+                  </a:solidFill>
+                  <a:latin typeface="Arial" panose="020B0604020202020204" pitchFamily="34" charset="0"/>
+                </a:defRPr>
+              </a:lvl5pPr>
+              <a:lvl6pPr marL="2514600" indent="-228600" defTabSz="4173538" eaLnBrk="0" fontAlgn="base" hangingPunct="0">
+                <a:spcBef>
+                  <a:spcPct val="20000"/>
+                </a:spcBef>
+                <a:spcAft>
+                  <a:spcPct val="0"/>
+                </a:spcAft>
+                <a:buChar char="»"/>
+                <a:defRPr sz="9100">
+                  <a:solidFill>
+                    <a:schemeClr val="tx1"/>
+                  </a:solidFill>
+                  <a:latin typeface="Arial" panose="020B0604020202020204" pitchFamily="34" charset="0"/>
+                </a:defRPr>
+              </a:lvl6pPr>
+              <a:lvl7pPr marL="2971800" indent="-228600" defTabSz="4173538" eaLnBrk="0" fontAlgn="base" hangingPunct="0">
+                <a:spcBef>
+                  <a:spcPct val="20000"/>
+                </a:spcBef>
+                <a:spcAft>
+                  <a:spcPct val="0"/>
+                </a:spcAft>
+                <a:buChar char="»"/>
+                <a:defRPr sz="9100">
+                  <a:solidFill>
+                    <a:schemeClr val="tx1"/>
+                  </a:solidFill>
+                  <a:latin typeface="Arial" panose="020B0604020202020204" pitchFamily="34" charset="0"/>
+                </a:defRPr>
+              </a:lvl7pPr>
+              <a:lvl8pPr marL="3429000" indent="-228600" defTabSz="4173538" eaLnBrk="0" fontAlgn="base" hangingPunct="0">
+                <a:spcBef>
+                  <a:spcPct val="20000"/>
+                </a:spcBef>
+                <a:spcAft>
+                  <a:spcPct val="0"/>
+                </a:spcAft>
+                <a:buChar char="»"/>
+                <a:defRPr sz="9100">
+                  <a:solidFill>
+                    <a:schemeClr val="tx1"/>
+                  </a:solidFill>
+                  <a:latin typeface="Arial" panose="020B0604020202020204" pitchFamily="34" charset="0"/>
+                </a:defRPr>
+              </a:lvl8pPr>
+              <a:lvl9pPr marL="3886200" indent="-228600" defTabSz="4173538" eaLnBrk="0" fontAlgn="base" hangingPunct="0">
+                <a:spcBef>
+                  <a:spcPct val="20000"/>
+                </a:spcBef>
+                <a:spcAft>
+                  <a:spcPct val="0"/>
+                </a:spcAft>
+                <a:buChar char="»"/>
+                <a:defRPr sz="9100">
+                  <a:solidFill>
+                    <a:schemeClr val="tx1"/>
+                  </a:solidFill>
+                  <a:latin typeface="Arial" panose="020B0604020202020204" pitchFamily="34" charset="0"/>
+                </a:defRPr>
+              </a:lvl9pPr>
+            </a:lstStyle>
+            <a:p>
+              <a:pPr eaLnBrk="1" hangingPunct="1">
+                <a:spcBef>
+                  <a:spcPct val="0"/>
+                </a:spcBef>
+                <a:buFontTx/>
+                <a:buNone/>
+              </a:pPr>
+              <a:r>
+                <a:rPr lang="en-GB" altLang="en-US" sz="4400" dirty="0"/>
+                <a:t>Decentralized control</a:t>
+              </a:r>
+            </a:p>
+          </p:txBody>
+        </p:sp>
+        <p:sp>
+          <p:nvSpPr>
+            <p:cNvPr id="77" name="Rectangle 60">
+              <a:extLst>
+                <a:ext uri="{FF2B5EF4-FFF2-40B4-BE49-F238E27FC236}">
+                  <a16:creationId xmlns:a16="http://schemas.microsoft.com/office/drawing/2014/main" id="{C6B2285E-041C-49D8-BB23-79345C6E5BFA}"/>
+                </a:ext>
+              </a:extLst>
+            </p:cNvPr>
+            <p:cNvSpPr>
+              <a:spLocks noChangeArrowheads="1"/>
+            </p:cNvSpPr>
+            <p:nvPr/>
+          </p:nvSpPr>
+          <p:spPr bwMode="auto">
+            <a:xfrm>
+              <a:off x="15946437" y="31038503"/>
+              <a:ext cx="13868401" cy="1194489"/>
+            </a:xfrm>
+            <a:prstGeom prst="rect">
+              <a:avLst/>
+            </a:prstGeom>
+            <a:noFill/>
+            <a:ln>
+              <a:noFill/>
+            </a:ln>
+            <a:extLst>
+              <a:ext uri="{909E8E84-426E-40DD-AFC4-6F175D3DCCD1}">
+                <a14:hiddenFill xmlns:a14="http://schemas.microsoft.com/office/drawing/2010/main">
+                  <a:solidFill>
+                    <a:srgbClr val="FFFFFF"/>
+                  </a:solidFill>
+                </a14:hiddenFill>
+              </a:ext>
+              <a:ext uri="{91240B29-F687-4F45-9708-019B960494DF}">
+                <a14:hiddenLine xmlns:a14="http://schemas.microsoft.com/office/drawing/2010/main" w="9525">
+                  <a:solidFill>
+                    <a:srgbClr val="000000"/>
+                  </a:solidFill>
+                  <a:miter lim="800000"/>
+                  <a:headEnd/>
+                  <a:tailEnd/>
+                </a14:hiddenLine>
+              </a:ext>
+            </a:extLst>
+          </p:spPr>
+          <p:txBody>
+            <a:bodyPr>
+              <a:spAutoFit/>
+            </a:bodyPr>
+            <a:lstStyle>
+              <a:lvl1pPr marL="342900" indent="-342900" defTabSz="4173538">
+                <a:spcBef>
+                  <a:spcPct val="20000"/>
+                </a:spcBef>
+                <a:buChar char="•"/>
+                <a:defRPr sz="14600">
+                  <a:solidFill>
+                    <a:schemeClr val="tx1"/>
+                  </a:solidFill>
+                  <a:latin typeface="Arial" panose="020B0604020202020204" pitchFamily="34" charset="0"/>
+                </a:defRPr>
+              </a:lvl1pPr>
+              <a:lvl2pPr marL="742950" indent="-285750" defTabSz="4173538">
+                <a:spcBef>
+                  <a:spcPct val="20000"/>
+                </a:spcBef>
+                <a:buChar char="–"/>
+                <a:defRPr sz="12800">
+                  <a:solidFill>
+                    <a:schemeClr val="tx1"/>
+                  </a:solidFill>
+                  <a:latin typeface="Arial" panose="020B0604020202020204" pitchFamily="34" charset="0"/>
+                </a:defRPr>
+              </a:lvl2pPr>
+              <a:lvl3pPr marL="1143000" indent="-228600" defTabSz="4173538">
+                <a:spcBef>
+                  <a:spcPct val="20000"/>
+                </a:spcBef>
+                <a:buChar char="•"/>
+                <a:defRPr sz="11000">
+                  <a:solidFill>
+                    <a:schemeClr val="tx1"/>
+                  </a:solidFill>
+                  <a:latin typeface="Arial" panose="020B0604020202020204" pitchFamily="34" charset="0"/>
+                </a:defRPr>
+              </a:lvl3pPr>
+              <a:lvl4pPr marL="1600200" indent="-228600" defTabSz="4173538">
+                <a:spcBef>
+                  <a:spcPct val="20000"/>
+                </a:spcBef>
+                <a:buChar char="–"/>
+                <a:defRPr sz="9100">
+                  <a:solidFill>
+                    <a:schemeClr val="tx1"/>
+                  </a:solidFill>
+                  <a:latin typeface="Arial" panose="020B0604020202020204" pitchFamily="34" charset="0"/>
+                </a:defRPr>
+              </a:lvl4pPr>
+              <a:lvl5pPr marL="2057400" indent="-228600" defTabSz="4173538">
+                <a:spcBef>
+                  <a:spcPct val="20000"/>
+                </a:spcBef>
+                <a:buChar char="»"/>
+                <a:defRPr sz="9100">
+                  <a:solidFill>
+                    <a:schemeClr val="tx1"/>
+                  </a:solidFill>
+                  <a:latin typeface="Arial" panose="020B0604020202020204" pitchFamily="34" charset="0"/>
+                </a:defRPr>
+              </a:lvl5pPr>
+              <a:lvl6pPr marL="2514600" indent="-228600" defTabSz="4173538" eaLnBrk="0" fontAlgn="base" hangingPunct="0">
+                <a:spcBef>
+                  <a:spcPct val="20000"/>
+                </a:spcBef>
+                <a:spcAft>
+                  <a:spcPct val="0"/>
+                </a:spcAft>
+                <a:buChar char="»"/>
+                <a:defRPr sz="9100">
+                  <a:solidFill>
+                    <a:schemeClr val="tx1"/>
+                  </a:solidFill>
+                  <a:latin typeface="Arial" panose="020B0604020202020204" pitchFamily="34" charset="0"/>
+                </a:defRPr>
+              </a:lvl6pPr>
+              <a:lvl7pPr marL="2971800" indent="-228600" defTabSz="4173538" eaLnBrk="0" fontAlgn="base" hangingPunct="0">
+                <a:spcBef>
+                  <a:spcPct val="20000"/>
+                </a:spcBef>
+                <a:spcAft>
+                  <a:spcPct val="0"/>
+                </a:spcAft>
+                <a:buChar char="»"/>
+                <a:defRPr sz="9100">
+                  <a:solidFill>
+                    <a:schemeClr val="tx1"/>
+                  </a:solidFill>
+                  <a:latin typeface="Arial" panose="020B0604020202020204" pitchFamily="34" charset="0"/>
+                </a:defRPr>
+              </a:lvl7pPr>
+              <a:lvl8pPr marL="3429000" indent="-228600" defTabSz="4173538" eaLnBrk="0" fontAlgn="base" hangingPunct="0">
+                <a:spcBef>
+                  <a:spcPct val="20000"/>
+                </a:spcBef>
+                <a:spcAft>
+                  <a:spcPct val="0"/>
+                </a:spcAft>
+                <a:buChar char="»"/>
+                <a:defRPr sz="9100">
+                  <a:solidFill>
+                    <a:schemeClr val="tx1"/>
+                  </a:solidFill>
+                  <a:latin typeface="Arial" panose="020B0604020202020204" pitchFamily="34" charset="0"/>
+                </a:defRPr>
+              </a:lvl8pPr>
+              <a:lvl9pPr marL="3886200" indent="-228600" defTabSz="4173538" eaLnBrk="0" fontAlgn="base" hangingPunct="0">
+                <a:spcBef>
+                  <a:spcPct val="20000"/>
+                </a:spcBef>
+                <a:spcAft>
+                  <a:spcPct val="0"/>
+                </a:spcAft>
+                <a:buChar char="»"/>
+                <a:defRPr sz="9100">
+                  <a:solidFill>
+                    <a:schemeClr val="tx1"/>
+                  </a:solidFill>
+                  <a:latin typeface="Arial" panose="020B0604020202020204" pitchFamily="34" charset="0"/>
+                </a:defRPr>
+              </a:lvl9pPr>
+            </a:lstStyle>
+            <a:p>
+              <a:pPr eaLnBrk="1" hangingPunct="1">
+                <a:spcBef>
+                  <a:spcPct val="0"/>
+                </a:spcBef>
+                <a:buFontTx/>
+                <a:buNone/>
+              </a:pPr>
+              <a:r>
+                <a:rPr lang="en-GB" altLang="en-US" sz="2400" dirty="0"/>
+                <a:t>Bode plot</a:t>
+              </a:r>
+            </a:p>
+          </p:txBody>
+        </p:sp>
+      </p:grpSp>
+      <p:grpSp>
+        <p:nvGrpSpPr>
+          <p:cNvPr id="79" name="Group 49">
+            <a:extLst>
+              <a:ext uri="{FF2B5EF4-FFF2-40B4-BE49-F238E27FC236}">
+                <a16:creationId xmlns:a16="http://schemas.microsoft.com/office/drawing/2014/main" id="{F5A2A103-050D-4736-A7EC-A8B027A289AA}"/>
+              </a:ext>
+            </a:extLst>
+          </p:cNvPr>
+          <p:cNvGrpSpPr>
+            <a:grpSpLocks/>
+          </p:cNvGrpSpPr>
+          <p:nvPr/>
+        </p:nvGrpSpPr>
+        <p:grpSpPr bwMode="auto">
+          <a:xfrm>
+            <a:off x="1793015" y="19123156"/>
+            <a:ext cx="5005771" cy="3327962"/>
+            <a:chOff x="15579725" y="29481462"/>
+            <a:chExt cx="14554200" cy="8610601"/>
+          </a:xfrm>
+        </p:grpSpPr>
+        <p:sp>
+          <p:nvSpPr>
+            <p:cNvPr id="80" name="AutoShape 37">
+              <a:extLst>
+                <a:ext uri="{FF2B5EF4-FFF2-40B4-BE49-F238E27FC236}">
+                  <a16:creationId xmlns:a16="http://schemas.microsoft.com/office/drawing/2014/main" id="{16DE5490-17D3-41A6-9292-EE97FB91E8B7}"/>
+                </a:ext>
+              </a:extLst>
+            </p:cNvPr>
+            <p:cNvSpPr>
+              <a:spLocks noChangeArrowheads="1"/>
+            </p:cNvSpPr>
+            <p:nvPr/>
+          </p:nvSpPr>
+          <p:spPr bwMode="auto">
+            <a:xfrm>
+              <a:off x="15579725" y="29481463"/>
+              <a:ext cx="14554200" cy="8610600"/>
+            </a:xfrm>
+            <a:prstGeom prst="roundRect">
+              <a:avLst>
+                <a:gd name="adj" fmla="val 3875"/>
+              </a:avLst>
+            </a:prstGeom>
+            <a:solidFill>
+              <a:schemeClr val="bg1"/>
+            </a:solidFill>
+            <a:ln w="76200">
+              <a:solidFill>
+                <a:schemeClr val="tx1"/>
+              </a:solidFill>
+              <a:round/>
+              <a:headEnd/>
+              <a:tailEnd/>
+            </a:ln>
+          </p:spPr>
+          <p:txBody>
+            <a:bodyPr wrap="none" anchor="ctr"/>
+            <a:lstStyle>
+              <a:lvl1pPr>
+                <a:spcBef>
+                  <a:spcPct val="20000"/>
+                </a:spcBef>
+                <a:buChar char="•"/>
+                <a:defRPr sz="14600">
+                  <a:solidFill>
+                    <a:schemeClr val="tx1"/>
+                  </a:solidFill>
+                  <a:latin typeface="Arial" panose="020B0604020202020204" pitchFamily="34" charset="0"/>
+                </a:defRPr>
+              </a:lvl1pPr>
+              <a:lvl2pPr marL="742950" indent="-285750">
+                <a:spcBef>
+                  <a:spcPct val="20000"/>
+                </a:spcBef>
+                <a:buChar char="–"/>
+                <a:defRPr sz="12800">
+                  <a:solidFill>
+                    <a:schemeClr val="tx1"/>
+                  </a:solidFill>
+                  <a:latin typeface="Arial" panose="020B0604020202020204" pitchFamily="34" charset="0"/>
+                </a:defRPr>
+              </a:lvl2pPr>
+              <a:lvl3pPr marL="1143000" indent="-228600">
+                <a:spcBef>
+                  <a:spcPct val="20000"/>
+                </a:spcBef>
+                <a:buChar char="•"/>
+                <a:defRPr sz="11000">
+                  <a:solidFill>
+                    <a:schemeClr val="tx1"/>
+                  </a:solidFill>
+                  <a:latin typeface="Arial" panose="020B0604020202020204" pitchFamily="34" charset="0"/>
+                </a:defRPr>
+              </a:lvl3pPr>
+              <a:lvl4pPr marL="1600200" indent="-228600">
+                <a:spcBef>
+                  <a:spcPct val="20000"/>
+                </a:spcBef>
+                <a:buChar char="–"/>
+                <a:defRPr sz="9100">
+                  <a:solidFill>
+                    <a:schemeClr val="tx1"/>
+                  </a:solidFill>
+                  <a:latin typeface="Arial" panose="020B0604020202020204" pitchFamily="34" charset="0"/>
+                </a:defRPr>
+              </a:lvl4pPr>
+              <a:lvl5pPr marL="2057400" indent="-228600">
+                <a:spcBef>
+                  <a:spcPct val="20000"/>
+                </a:spcBef>
+                <a:buChar char="»"/>
+                <a:defRPr sz="9100">
+                  <a:solidFill>
+                    <a:schemeClr val="tx1"/>
+                  </a:solidFill>
+                  <a:latin typeface="Arial" panose="020B0604020202020204" pitchFamily="34" charset="0"/>
+                </a:defRPr>
+              </a:lvl5pPr>
+              <a:lvl6pPr marL="2514600" indent="-228600" eaLnBrk="0" fontAlgn="base" hangingPunct="0">
+                <a:spcBef>
+                  <a:spcPct val="20000"/>
+                </a:spcBef>
+                <a:spcAft>
+                  <a:spcPct val="0"/>
+                </a:spcAft>
+                <a:buChar char="»"/>
+                <a:defRPr sz="9100">
+                  <a:solidFill>
+                    <a:schemeClr val="tx1"/>
+                  </a:solidFill>
+                  <a:latin typeface="Arial" panose="020B0604020202020204" pitchFamily="34" charset="0"/>
+                </a:defRPr>
+              </a:lvl6pPr>
+              <a:lvl7pPr marL="2971800" indent="-228600" eaLnBrk="0" fontAlgn="base" hangingPunct="0">
+                <a:spcBef>
+                  <a:spcPct val="20000"/>
+                </a:spcBef>
+                <a:spcAft>
+                  <a:spcPct val="0"/>
+                </a:spcAft>
+                <a:buChar char="»"/>
+                <a:defRPr sz="9100">
+                  <a:solidFill>
+                    <a:schemeClr val="tx1"/>
+                  </a:solidFill>
+                  <a:latin typeface="Arial" panose="020B0604020202020204" pitchFamily="34" charset="0"/>
+                </a:defRPr>
+              </a:lvl7pPr>
+              <a:lvl8pPr marL="3429000" indent="-228600" eaLnBrk="0" fontAlgn="base" hangingPunct="0">
+                <a:spcBef>
+                  <a:spcPct val="20000"/>
+                </a:spcBef>
+                <a:spcAft>
+                  <a:spcPct val="0"/>
+                </a:spcAft>
+                <a:buChar char="»"/>
+                <a:defRPr sz="9100">
+                  <a:solidFill>
+                    <a:schemeClr val="tx1"/>
+                  </a:solidFill>
+                  <a:latin typeface="Arial" panose="020B0604020202020204" pitchFamily="34" charset="0"/>
+                </a:defRPr>
+              </a:lvl8pPr>
+              <a:lvl9pPr marL="3886200" indent="-228600" eaLnBrk="0" fontAlgn="base" hangingPunct="0">
+                <a:spcBef>
+                  <a:spcPct val="20000"/>
+                </a:spcBef>
+                <a:spcAft>
+                  <a:spcPct val="0"/>
+                </a:spcAft>
+                <a:buChar char="»"/>
+                <a:defRPr sz="9100">
+                  <a:solidFill>
+                    <a:schemeClr val="tx1"/>
+                  </a:solidFill>
+                  <a:latin typeface="Arial" panose="020B0604020202020204" pitchFamily="34" charset="0"/>
+                </a:defRPr>
+              </a:lvl9pPr>
+            </a:lstStyle>
+            <a:p>
+              <a:pPr eaLnBrk="1" hangingPunct="1">
+                <a:spcBef>
+                  <a:spcPct val="0"/>
+                </a:spcBef>
+                <a:buFontTx/>
+                <a:buNone/>
+              </a:pPr>
+              <a:endParaRPr lang="en-GB" altLang="en-US" sz="6600" dirty="0"/>
+            </a:p>
+          </p:txBody>
+        </p:sp>
+        <p:sp>
+          <p:nvSpPr>
+            <p:cNvPr id="81" name="Text Box 44">
+              <a:extLst>
+                <a:ext uri="{FF2B5EF4-FFF2-40B4-BE49-F238E27FC236}">
+                  <a16:creationId xmlns:a16="http://schemas.microsoft.com/office/drawing/2014/main" id="{0E7E8EE8-5AAD-41CF-B0A3-858C0A27D62C}"/>
+                </a:ext>
+              </a:extLst>
+            </p:cNvPr>
+            <p:cNvSpPr txBox="1">
+              <a:spLocks noChangeArrowheads="1"/>
+            </p:cNvSpPr>
+            <p:nvPr/>
+          </p:nvSpPr>
+          <p:spPr bwMode="auto">
+            <a:xfrm>
+              <a:off x="17789526" y="29481462"/>
+              <a:ext cx="8926183" cy="1990813"/>
+            </a:xfrm>
+            <a:prstGeom prst="rect">
+              <a:avLst/>
+            </a:prstGeom>
+            <a:noFill/>
+            <a:ln>
+              <a:noFill/>
+            </a:ln>
+            <a:extLst>
+              <a:ext uri="{909E8E84-426E-40DD-AFC4-6F175D3DCCD1}">
+                <a14:hiddenFill xmlns:a14="http://schemas.microsoft.com/office/drawing/2010/main">
+                  <a:solidFill>
+                    <a:srgbClr val="FFFFFF"/>
+                  </a:solidFill>
+                </a14:hiddenFill>
+              </a:ext>
+              <a:ext uri="{91240B29-F687-4F45-9708-019B960494DF}">
+                <a14:hiddenLine xmlns:a14="http://schemas.microsoft.com/office/drawing/2010/main" w="9525">
+                  <a:solidFill>
+                    <a:srgbClr val="000000"/>
+                  </a:solidFill>
+                  <a:miter lim="800000"/>
+                  <a:headEnd/>
+                  <a:tailEnd/>
+                </a14:hiddenLine>
+              </a:ext>
+            </a:extLst>
+          </p:spPr>
+          <p:txBody>
+            <a:bodyPr wrap="none">
+              <a:spAutoFit/>
+            </a:bodyPr>
+            <a:lstStyle>
+              <a:lvl1pPr defTabSz="4173538">
+                <a:spcBef>
+                  <a:spcPct val="20000"/>
+                </a:spcBef>
+                <a:buChar char="•"/>
+                <a:defRPr sz="14600">
+                  <a:solidFill>
+                    <a:schemeClr val="tx1"/>
+                  </a:solidFill>
+                  <a:latin typeface="Arial" panose="020B0604020202020204" pitchFamily="34" charset="0"/>
+                </a:defRPr>
+              </a:lvl1pPr>
+              <a:lvl2pPr marL="742950" indent="-285750" defTabSz="4173538">
+                <a:spcBef>
+                  <a:spcPct val="20000"/>
+                </a:spcBef>
+                <a:buChar char="–"/>
+                <a:defRPr sz="12800">
+                  <a:solidFill>
+                    <a:schemeClr val="tx1"/>
+                  </a:solidFill>
+                  <a:latin typeface="Arial" panose="020B0604020202020204" pitchFamily="34" charset="0"/>
+                </a:defRPr>
+              </a:lvl2pPr>
+              <a:lvl3pPr marL="1143000" indent="-228600" defTabSz="4173538">
+                <a:spcBef>
+                  <a:spcPct val="20000"/>
+                </a:spcBef>
+                <a:buChar char="•"/>
+                <a:defRPr sz="11000">
+                  <a:solidFill>
+                    <a:schemeClr val="tx1"/>
+                  </a:solidFill>
+                  <a:latin typeface="Arial" panose="020B0604020202020204" pitchFamily="34" charset="0"/>
+                </a:defRPr>
+              </a:lvl3pPr>
+              <a:lvl4pPr marL="1600200" indent="-228600" defTabSz="4173538">
+                <a:spcBef>
+                  <a:spcPct val="20000"/>
+                </a:spcBef>
+                <a:buChar char="–"/>
+                <a:defRPr sz="9100">
+                  <a:solidFill>
+                    <a:schemeClr val="tx1"/>
+                  </a:solidFill>
+                  <a:latin typeface="Arial" panose="020B0604020202020204" pitchFamily="34" charset="0"/>
+                </a:defRPr>
+              </a:lvl4pPr>
+              <a:lvl5pPr marL="2057400" indent="-228600" defTabSz="4173538">
+                <a:spcBef>
+                  <a:spcPct val="20000"/>
+                </a:spcBef>
+                <a:buChar char="»"/>
+                <a:defRPr sz="9100">
+                  <a:solidFill>
+                    <a:schemeClr val="tx1"/>
+                  </a:solidFill>
+                  <a:latin typeface="Arial" panose="020B0604020202020204" pitchFamily="34" charset="0"/>
+                </a:defRPr>
+              </a:lvl5pPr>
+              <a:lvl6pPr marL="2514600" indent="-228600" defTabSz="4173538" eaLnBrk="0" fontAlgn="base" hangingPunct="0">
+                <a:spcBef>
+                  <a:spcPct val="20000"/>
+                </a:spcBef>
+                <a:spcAft>
+                  <a:spcPct val="0"/>
+                </a:spcAft>
+                <a:buChar char="»"/>
+                <a:defRPr sz="9100">
+                  <a:solidFill>
+                    <a:schemeClr val="tx1"/>
+                  </a:solidFill>
+                  <a:latin typeface="Arial" panose="020B0604020202020204" pitchFamily="34" charset="0"/>
+                </a:defRPr>
+              </a:lvl6pPr>
+              <a:lvl7pPr marL="2971800" indent="-228600" defTabSz="4173538" eaLnBrk="0" fontAlgn="base" hangingPunct="0">
+                <a:spcBef>
+                  <a:spcPct val="20000"/>
+                </a:spcBef>
+                <a:spcAft>
+                  <a:spcPct val="0"/>
+                </a:spcAft>
+                <a:buChar char="»"/>
+                <a:defRPr sz="9100">
+                  <a:solidFill>
+                    <a:schemeClr val="tx1"/>
+                  </a:solidFill>
+                  <a:latin typeface="Arial" panose="020B0604020202020204" pitchFamily="34" charset="0"/>
+                </a:defRPr>
+              </a:lvl7pPr>
+              <a:lvl8pPr marL="3429000" indent="-228600" defTabSz="4173538" eaLnBrk="0" fontAlgn="base" hangingPunct="0">
+                <a:spcBef>
+                  <a:spcPct val="20000"/>
+                </a:spcBef>
+                <a:spcAft>
+                  <a:spcPct val="0"/>
+                </a:spcAft>
+                <a:buChar char="»"/>
+                <a:defRPr sz="9100">
+                  <a:solidFill>
+                    <a:schemeClr val="tx1"/>
+                  </a:solidFill>
+                  <a:latin typeface="Arial" panose="020B0604020202020204" pitchFamily="34" charset="0"/>
+                </a:defRPr>
+              </a:lvl8pPr>
+              <a:lvl9pPr marL="3886200" indent="-228600" defTabSz="4173538" eaLnBrk="0" fontAlgn="base" hangingPunct="0">
+                <a:spcBef>
+                  <a:spcPct val="20000"/>
+                </a:spcBef>
+                <a:spcAft>
+                  <a:spcPct val="0"/>
+                </a:spcAft>
+                <a:buChar char="»"/>
+                <a:defRPr sz="9100">
+                  <a:solidFill>
+                    <a:schemeClr val="tx1"/>
+                  </a:solidFill>
+                  <a:latin typeface="Arial" panose="020B0604020202020204" pitchFamily="34" charset="0"/>
+                </a:defRPr>
+              </a:lvl9pPr>
+            </a:lstStyle>
+            <a:p>
+              <a:pPr eaLnBrk="1" hangingPunct="1">
+                <a:spcBef>
+                  <a:spcPct val="0"/>
+                </a:spcBef>
+                <a:buFontTx/>
+                <a:buNone/>
+              </a:pPr>
+              <a:r>
+                <a:rPr lang="en-GB" altLang="en-US" sz="4400" dirty="0"/>
+                <a:t>Oscillations</a:t>
+              </a:r>
+            </a:p>
+          </p:txBody>
+        </p:sp>
+        <p:sp>
+          <p:nvSpPr>
+            <p:cNvPr id="82" name="Rectangle 60">
+              <a:extLst>
+                <a:ext uri="{FF2B5EF4-FFF2-40B4-BE49-F238E27FC236}">
+                  <a16:creationId xmlns:a16="http://schemas.microsoft.com/office/drawing/2014/main" id="{F6A47CCB-E44B-4D22-8185-D2476D4863E0}"/>
+                </a:ext>
+              </a:extLst>
+            </p:cNvPr>
+            <p:cNvSpPr>
+              <a:spLocks noChangeArrowheads="1"/>
+            </p:cNvSpPr>
+            <p:nvPr/>
+          </p:nvSpPr>
+          <p:spPr bwMode="auto">
+            <a:xfrm>
+              <a:off x="15946437" y="31038503"/>
+              <a:ext cx="13868400" cy="1194489"/>
+            </a:xfrm>
+            <a:prstGeom prst="rect">
+              <a:avLst/>
+            </a:prstGeom>
+            <a:noFill/>
+            <a:ln>
+              <a:noFill/>
+            </a:ln>
+            <a:extLst>
+              <a:ext uri="{909E8E84-426E-40DD-AFC4-6F175D3DCCD1}">
+                <a14:hiddenFill xmlns:a14="http://schemas.microsoft.com/office/drawing/2010/main">
+                  <a:solidFill>
+                    <a:srgbClr val="FFFFFF"/>
+                  </a:solidFill>
+                </a14:hiddenFill>
+              </a:ext>
+              <a:ext uri="{91240B29-F687-4F45-9708-019B960494DF}">
+                <a14:hiddenLine xmlns:a14="http://schemas.microsoft.com/office/drawing/2010/main" w="9525">
+                  <a:solidFill>
+                    <a:srgbClr val="000000"/>
+                  </a:solidFill>
+                  <a:miter lim="800000"/>
+                  <a:headEnd/>
+                  <a:tailEnd/>
+                </a14:hiddenLine>
+              </a:ext>
+            </a:extLst>
+          </p:spPr>
+          <p:txBody>
+            <a:bodyPr>
+              <a:spAutoFit/>
+            </a:bodyPr>
+            <a:lstStyle>
+              <a:lvl1pPr marL="342900" indent="-342900" defTabSz="4173538">
+                <a:spcBef>
+                  <a:spcPct val="20000"/>
+                </a:spcBef>
+                <a:buChar char="•"/>
+                <a:defRPr sz="14600">
+                  <a:solidFill>
+                    <a:schemeClr val="tx1"/>
+                  </a:solidFill>
+                  <a:latin typeface="Arial" panose="020B0604020202020204" pitchFamily="34" charset="0"/>
+                </a:defRPr>
+              </a:lvl1pPr>
+              <a:lvl2pPr marL="742950" indent="-285750" defTabSz="4173538">
+                <a:spcBef>
+                  <a:spcPct val="20000"/>
+                </a:spcBef>
+                <a:buChar char="–"/>
+                <a:defRPr sz="12800">
+                  <a:solidFill>
+                    <a:schemeClr val="tx1"/>
+                  </a:solidFill>
+                  <a:latin typeface="Arial" panose="020B0604020202020204" pitchFamily="34" charset="0"/>
+                </a:defRPr>
+              </a:lvl2pPr>
+              <a:lvl3pPr marL="1143000" indent="-228600" defTabSz="4173538">
+                <a:spcBef>
+                  <a:spcPct val="20000"/>
+                </a:spcBef>
+                <a:buChar char="•"/>
+                <a:defRPr sz="11000">
+                  <a:solidFill>
+                    <a:schemeClr val="tx1"/>
+                  </a:solidFill>
+                  <a:latin typeface="Arial" panose="020B0604020202020204" pitchFamily="34" charset="0"/>
+                </a:defRPr>
+              </a:lvl3pPr>
+              <a:lvl4pPr marL="1600200" indent="-228600" defTabSz="4173538">
+                <a:spcBef>
+                  <a:spcPct val="20000"/>
+                </a:spcBef>
+                <a:buChar char="–"/>
+                <a:defRPr sz="9100">
+                  <a:solidFill>
+                    <a:schemeClr val="tx1"/>
+                  </a:solidFill>
+                  <a:latin typeface="Arial" panose="020B0604020202020204" pitchFamily="34" charset="0"/>
+                </a:defRPr>
+              </a:lvl4pPr>
+              <a:lvl5pPr marL="2057400" indent="-228600" defTabSz="4173538">
+                <a:spcBef>
+                  <a:spcPct val="20000"/>
+                </a:spcBef>
+                <a:buChar char="»"/>
+                <a:defRPr sz="9100">
+                  <a:solidFill>
+                    <a:schemeClr val="tx1"/>
+                  </a:solidFill>
+                  <a:latin typeface="Arial" panose="020B0604020202020204" pitchFamily="34" charset="0"/>
+                </a:defRPr>
+              </a:lvl5pPr>
+              <a:lvl6pPr marL="2514600" indent="-228600" defTabSz="4173538" eaLnBrk="0" fontAlgn="base" hangingPunct="0">
+                <a:spcBef>
+                  <a:spcPct val="20000"/>
+                </a:spcBef>
+                <a:spcAft>
+                  <a:spcPct val="0"/>
+                </a:spcAft>
+                <a:buChar char="»"/>
+                <a:defRPr sz="9100">
+                  <a:solidFill>
+                    <a:schemeClr val="tx1"/>
+                  </a:solidFill>
+                  <a:latin typeface="Arial" panose="020B0604020202020204" pitchFamily="34" charset="0"/>
+                </a:defRPr>
+              </a:lvl6pPr>
+              <a:lvl7pPr marL="2971800" indent="-228600" defTabSz="4173538" eaLnBrk="0" fontAlgn="base" hangingPunct="0">
+                <a:spcBef>
+                  <a:spcPct val="20000"/>
+                </a:spcBef>
+                <a:spcAft>
+                  <a:spcPct val="0"/>
+                </a:spcAft>
+                <a:buChar char="»"/>
+                <a:defRPr sz="9100">
+                  <a:solidFill>
+                    <a:schemeClr val="tx1"/>
+                  </a:solidFill>
+                  <a:latin typeface="Arial" panose="020B0604020202020204" pitchFamily="34" charset="0"/>
+                </a:defRPr>
+              </a:lvl7pPr>
+              <a:lvl8pPr marL="3429000" indent="-228600" defTabSz="4173538" eaLnBrk="0" fontAlgn="base" hangingPunct="0">
+                <a:spcBef>
+                  <a:spcPct val="20000"/>
+                </a:spcBef>
+                <a:spcAft>
+                  <a:spcPct val="0"/>
+                </a:spcAft>
+                <a:buChar char="»"/>
+                <a:defRPr sz="9100">
+                  <a:solidFill>
+                    <a:schemeClr val="tx1"/>
+                  </a:solidFill>
+                  <a:latin typeface="Arial" panose="020B0604020202020204" pitchFamily="34" charset="0"/>
+                </a:defRPr>
+              </a:lvl8pPr>
+              <a:lvl9pPr marL="3886200" indent="-228600" defTabSz="4173538" eaLnBrk="0" fontAlgn="base" hangingPunct="0">
+                <a:spcBef>
+                  <a:spcPct val="20000"/>
+                </a:spcBef>
+                <a:spcAft>
+                  <a:spcPct val="0"/>
+                </a:spcAft>
+                <a:buChar char="»"/>
+                <a:defRPr sz="9100">
+                  <a:solidFill>
+                    <a:schemeClr val="tx1"/>
+                  </a:solidFill>
+                  <a:latin typeface="Arial" panose="020B0604020202020204" pitchFamily="34" charset="0"/>
+                </a:defRPr>
+              </a:lvl9pPr>
+            </a:lstStyle>
+            <a:p>
+              <a:pPr eaLnBrk="1" hangingPunct="1">
+                <a:spcBef>
+                  <a:spcPct val="0"/>
+                </a:spcBef>
+                <a:buFontTx/>
+                <a:buNone/>
+              </a:pPr>
+              <a:r>
+                <a:rPr lang="en-GB" altLang="en-US" sz="2400" dirty="0" err="1"/>
+                <a:t>Syncronization</a:t>
+              </a:r>
+              <a:endParaRPr lang="en-GB" altLang="en-US" sz="2400" dirty="0"/>
+            </a:p>
+          </p:txBody>
+        </p:sp>
+      </p:grpSp>
+      <p:pic>
+        <p:nvPicPr>
+          <p:cNvPr id="6" name="Billede 5">
+            <a:extLst>
+              <a:ext uri="{FF2B5EF4-FFF2-40B4-BE49-F238E27FC236}">
+                <a16:creationId xmlns:a16="http://schemas.microsoft.com/office/drawing/2014/main" id="{CD2AAF7C-F8A8-40E3-A784-539CD0678525}"/>
+              </a:ext>
+            </a:extLst>
+          </p:cNvPr>
+          <p:cNvPicPr>
+            <a:picLocks noChangeAspect="1"/>
+          </p:cNvPicPr>
+          <p:nvPr/>
+        </p:nvPicPr>
+        <p:blipFill>
+          <a:blip r:embed="rId9"/>
+          <a:stretch>
+            <a:fillRect/>
+          </a:stretch>
+        </p:blipFill>
+        <p:spPr>
+          <a:xfrm>
+            <a:off x="11428924" y="10674492"/>
+            <a:ext cx="8512657" cy="11675481"/>
+          </a:xfrm>
+          <a:prstGeom prst="rect">
+            <a:avLst/>
+          </a:prstGeom>
+        </p:spPr>
+      </p:pic>
+      <p:pic>
+        <p:nvPicPr>
+          <p:cNvPr id="13341" name="Picture 8">
+            <a:extLst>
+              <a:ext uri="{FF2B5EF4-FFF2-40B4-BE49-F238E27FC236}">
+                <a16:creationId xmlns:a16="http://schemas.microsoft.com/office/drawing/2014/main" id="{B959DBC8-D19A-6441-8E3E-3CDF14ED708A}"/>
+              </a:ext>
+            </a:extLst>
+          </p:cNvPr>
+          <p:cNvPicPr>
+            <a:picLocks noChangeAspect="1" noChangeArrowheads="1"/>
+          </p:cNvPicPr>
+          <p:nvPr/>
+        </p:nvPicPr>
+        <p:blipFill>
+          <a:blip r:embed="rId10">
+            <a:extLst>
+              <a:ext uri="{28A0092B-C50C-407E-A947-70E740481C1C}">
+                <a14:useLocalDpi xmlns:a14="http://schemas.microsoft.com/office/drawing/2010/main" val="0"/>
+              </a:ext>
+            </a:extLst>
+          </a:blip>
+          <a:srcRect/>
+          <a:stretch>
+            <a:fillRect/>
+          </a:stretch>
+        </p:blipFill>
+        <p:spPr bwMode="auto">
+          <a:xfrm>
+            <a:off x="11997531" y="11027330"/>
+            <a:ext cx="5351708" cy="2476866"/>
+          </a:xfrm>
+          <a:prstGeom prst="rect">
+            <a:avLst/>
+          </a:prstGeom>
+          <a:noFill/>
+          <a:ln>
+            <a:noFill/>
+          </a:ln>
+          <a:extLst>
+            <a:ext uri="{909E8E84-426E-40DD-AFC4-6F175D3DCCD1}">
+              <a14:hiddenFill xmlns:a14="http://schemas.microsoft.com/office/drawing/2010/main">
+                <a:solidFill>
+                  <a:srgbClr val="FFFFFF"/>
+                </a:solidFill>
+              </a14:hiddenFill>
+            </a:ext>
+            <a:ext uri="{91240B29-F687-4F45-9708-019B960494DF}">
+              <a14:hiddenLine xmlns:a14="http://schemas.microsoft.com/office/drawing/2010/main" w="9525">
+                <a:solidFill>
+                  <a:srgbClr val="000000"/>
+                </a:solidFill>
+                <a:miter lim="800000"/>
+                <a:headEnd/>
+                <a:tailEnd/>
+              </a14:hiddenLine>
+            </a:ext>
+          </a:extLst>
+        </p:spPr>
+      </p:pic>
     </p:spTree>
   </p:cSld>
   <p:clrMapOvr>
